--- a/Deliverables/Pronunciation_Trainer.pptx
+++ b/Deliverables/Pronunciation_Trainer.pptx
@@ -5,7 +5,7 @@
     <p:sldMasterId id="2147483696" r:id="rId4"/>
   </p:sldMasterIdLst>
   <p:notesMasterIdLst>
-    <p:notesMasterId r:id="rId16"/>
+    <p:notesMasterId r:id="rId17"/>
   </p:notesMasterIdLst>
   <p:sldIdLst>
     <p:sldId id="306" r:id="rId5"/>
@@ -18,7 +18,8 @@
     <p:sldId id="304" r:id="rId12"/>
     <p:sldId id="305" r:id="rId13"/>
     <p:sldId id="311" r:id="rId14"/>
-    <p:sldId id="312" r:id="rId15"/>
+    <p:sldId id="314" r:id="rId15"/>
+    <p:sldId id="312" r:id="rId16"/>
   </p:sldIdLst>
   <p:sldSz cx="12192000" cy="6858000"/>
   <p:notesSz cx="6858000" cy="9144000"/>
@@ -10837,7 +10838,7 @@
           <a:p>
             <a:fld id="{5EA28068-AFBD-4979-B752-9EB6F90B1386}" type="datetimeFigureOut">
               <a:rPr lang="en-US" smtClean="0"/>
-              <a:t>6/26/2023</a:t>
+              <a:t>6/28/2023</a:t>
             </a:fld>
             <a:endParaRPr lang="en-US" dirty="0"/>
           </a:p>
@@ -21791,6 +21792,14 @@
 <file path=ppt/slides/slide1.xml><?xml version="1.0" encoding="utf-8"?>
 <p:sld xmlns:a="http://schemas.openxmlformats.org/drawingml/2006/main" xmlns:r="http://schemas.openxmlformats.org/officeDocument/2006/relationships" xmlns:p="http://schemas.openxmlformats.org/presentationml/2006/main">
   <p:cSld>
+    <p:bg>
+      <p:bgPr>
+        <a:solidFill>
+          <a:schemeClr val="bg1"/>
+        </a:solidFill>
+        <a:effectLst/>
+      </p:bgPr>
+    </p:bg>
     <p:spTree>
       <p:nvGrpSpPr>
         <p:cNvPr id="1" name=""/>
@@ -21805,6 +21814,221 @@
           <a:chExt cx="0" cy="0"/>
         </a:xfrm>
       </p:grpSpPr>
+      <p:sp useBgFill="1">
+        <p:nvSpPr>
+          <p:cNvPr id="9" name="Rectangle 8">
+            <a:extLst>
+              <a:ext uri="{FF2B5EF4-FFF2-40B4-BE49-F238E27FC236}">
+                <a16:creationId xmlns:a16="http://schemas.microsoft.com/office/drawing/2014/main" id="{C17278C5-34E8-4293-BE47-73B18483AF7B}"/>
+              </a:ext>
+              <a:ext uri="{C183D7F6-B498-43B3-948B-1728B52AA6E4}">
+                <adec:decorative xmlns:adec="http://schemas.microsoft.com/office/drawing/2017/decorative" val="1"/>
+              </a:ext>
+            </a:extLst>
+          </p:cNvPr>
+          <p:cNvSpPr>
+            <a:spLocks noGrp="1" noRot="1" noChangeAspect="1" noMove="1" noResize="1" noEditPoints="1" noAdjustHandles="1" noChangeArrowheads="1" noChangeShapeType="1" noTextEdit="1"/>
+          </p:cNvSpPr>
+          <p:nvPr>
+            <p:extLst>
+              <p:ext uri="{386F3935-93C4-4BCD-93E2-E3B085C9AB24}">
+                <p16:designElem xmlns:p16="http://schemas.microsoft.com/office/powerpoint/2015/main" val="1"/>
+              </p:ext>
+            </p:extLst>
+          </p:nvPr>
+        </p:nvSpPr>
+        <p:spPr>
+          <a:xfrm>
+            <a:off x="0" y="0"/>
+            <a:ext cx="12192000" cy="6858000"/>
+          </a:xfrm>
+          <a:prstGeom prst="rect">
+            <a:avLst/>
+          </a:prstGeom>
+          <a:ln w="12700" cap="flat" cmpd="sng" algn="ctr">
+            <a:noFill/>
+            <a:prstDash val="solid"/>
+            <a:miter lim="800000"/>
+          </a:ln>
+          <a:effectLst/>
+          <a:extLst>
+            <a:ext uri="{91240B29-F687-4F45-9708-019B960494DF}">
+              <a14:hiddenLine xmlns:a14="http://schemas.microsoft.com/office/drawing/2010/main" w="12700" cap="flat" cmpd="sng" algn="ctr">
+                <a:solidFill>
+                  <a:schemeClr val="accent1">
+                    <a:shade val="50000"/>
+                  </a:schemeClr>
+                </a:solidFill>
+                <a:prstDash val="solid"/>
+                <a:miter lim="800000"/>
+              </a14:hiddenLine>
+            </a:ext>
+          </a:extLst>
+        </p:spPr>
+        <p:style>
+          <a:lnRef idx="2">
+            <a:schemeClr val="accent1">
+              <a:shade val="50000"/>
+            </a:schemeClr>
+          </a:lnRef>
+          <a:fillRef idx="1">
+            <a:schemeClr val="accent1"/>
+          </a:fillRef>
+          <a:effectRef idx="0">
+            <a:schemeClr val="accent1"/>
+          </a:effectRef>
+          <a:fontRef idx="minor">
+            <a:schemeClr val="lt1"/>
+          </a:fontRef>
+        </p:style>
+        <p:txBody>
+          <a:bodyPr rtlCol="0" anchor="ctr"/>
+          <a:lstStyle/>
+          <a:p>
+            <a:pPr algn="ctr"/>
+            <a:endParaRPr lang="en-US"/>
+          </a:p>
+        </p:txBody>
+      </p:sp>
+      <p:sp>
+        <p:nvSpPr>
+          <p:cNvPr id="11" name="!!Rectangle">
+            <a:extLst>
+              <a:ext uri="{FF2B5EF4-FFF2-40B4-BE49-F238E27FC236}">
+                <a16:creationId xmlns:a16="http://schemas.microsoft.com/office/drawing/2014/main" id="{9A3F5928-D955-456A-97B5-AA390B8CE9D5}"/>
+              </a:ext>
+              <a:ext uri="{C183D7F6-B498-43B3-948B-1728B52AA6E4}">
+                <adec:decorative xmlns:adec="http://schemas.microsoft.com/office/drawing/2017/decorative" val="1"/>
+              </a:ext>
+            </a:extLst>
+          </p:cNvPr>
+          <p:cNvSpPr>
+            <a:spLocks noGrp="1" noRot="1" noChangeAspect="1" noMove="1" noResize="1" noEditPoints="1" noAdjustHandles="1" noChangeArrowheads="1" noChangeShapeType="1" noTextEdit="1"/>
+          </p:cNvSpPr>
+          <p:nvPr>
+            <p:extLst>
+              <p:ext uri="{386F3935-93C4-4BCD-93E2-E3B085C9AB24}">
+                <p16:designElem xmlns:p16="http://schemas.microsoft.com/office/powerpoint/2015/main" val="1"/>
+              </p:ext>
+            </p:extLst>
+          </p:nvPr>
+        </p:nvSpPr>
+        <p:spPr>
+          <a:xfrm>
+            <a:off x="0" y="0"/>
+            <a:ext cx="12192000" cy="6858000"/>
+          </a:xfrm>
+          <a:prstGeom prst="rect">
+            <a:avLst/>
+          </a:prstGeom>
+          <a:gradFill flip="none" rotWithShape="1">
+            <a:gsLst>
+              <a:gs pos="100000">
+                <a:schemeClr val="accent4"/>
+              </a:gs>
+              <a:gs pos="0">
+                <a:schemeClr val="accent2"/>
+              </a:gs>
+            </a:gsLst>
+            <a:lin ang="18900000" scaled="1"/>
+            <a:tileRect/>
+          </a:gradFill>
+          <a:ln>
+            <a:noFill/>
+          </a:ln>
+        </p:spPr>
+        <p:style>
+          <a:lnRef idx="2">
+            <a:schemeClr val="accent1">
+              <a:shade val="50000"/>
+            </a:schemeClr>
+          </a:lnRef>
+          <a:fillRef idx="1">
+            <a:schemeClr val="accent1"/>
+          </a:fillRef>
+          <a:effectRef idx="0">
+            <a:schemeClr val="accent1"/>
+          </a:effectRef>
+          <a:fontRef idx="minor">
+            <a:schemeClr val="lt1"/>
+          </a:fontRef>
+        </p:style>
+        <p:txBody>
+          <a:bodyPr rtlCol="0" anchor="ctr"/>
+          <a:lstStyle/>
+          <a:p>
+            <a:pPr marL="0" marR="0" lvl="0" indent="0" algn="ctr" defTabSz="914400" rtl="0" eaLnBrk="1" fontAlgn="auto" latinLnBrk="0" hangingPunct="1">
+              <a:lnSpc>
+                <a:spcPct val="100000"/>
+              </a:lnSpc>
+              <a:spcBef>
+                <a:spcPts val="0"/>
+              </a:spcBef>
+              <a:spcAft>
+                <a:spcPts val="0"/>
+              </a:spcAft>
+              <a:buClrTx/>
+              <a:buSzTx/>
+              <a:buFontTx/>
+              <a:buNone/>
+              <a:tabLst/>
+              <a:defRPr/>
+            </a:pPr>
+            <a:endParaRPr kumimoji="0" lang="en-US" sz="1800" b="0" i="0" u="none" strike="noStrike" kern="1200" cap="none" spc="0" normalizeH="0" baseline="0" noProof="0">
+              <a:ln>
+                <a:noFill/>
+              </a:ln>
+              <a:solidFill>
+                <a:prstClr val="white"/>
+              </a:solidFill>
+              <a:effectLst/>
+              <a:uLnTx/>
+              <a:uFillTx/>
+              <a:latin typeface="Univers"/>
+              <a:ea typeface="+mn-ea"/>
+              <a:cs typeface="+mn-cs"/>
+            </a:endParaRPr>
+          </a:p>
+        </p:txBody>
+      </p:sp>
+      <p:pic>
+        <p:nvPicPr>
+          <p:cNvPr id="5" name="Picture 4">
+            <a:extLst>
+              <a:ext uri="{FF2B5EF4-FFF2-40B4-BE49-F238E27FC236}">
+                <a16:creationId xmlns:a16="http://schemas.microsoft.com/office/drawing/2014/main" id="{88C7F9F3-7F8F-BC0B-3F2C-33442427E83A}"/>
+              </a:ext>
+            </a:extLst>
+          </p:cNvPr>
+          <p:cNvPicPr>
+            <a:picLocks noChangeAspect="1"/>
+          </p:cNvPicPr>
+          <p:nvPr/>
+        </p:nvPicPr>
+        <p:blipFill rotWithShape="1">
+          <a:blip r:embed="rId2">
+            <a:duotone>
+              <a:schemeClr val="accent1">
+                <a:shade val="45000"/>
+                <a:satMod val="135000"/>
+              </a:schemeClr>
+              <a:prstClr val="white"/>
+            </a:duotone>
+            <a:alphaModFix amt="35000"/>
+          </a:blip>
+          <a:srcRect t="23986"/>
+          <a:stretch/>
+        </p:blipFill>
+        <p:spPr>
+          <a:xfrm>
+            <a:off x="20" y="-8877"/>
+            <a:ext cx="12191980" cy="6858000"/>
+          </a:xfrm>
+          <a:prstGeom prst="rect">
+            <a:avLst/>
+          </a:prstGeom>
+        </p:spPr>
+      </p:pic>
       <p:sp>
         <p:nvSpPr>
           <p:cNvPr id="2" name="Title 1">
@@ -21823,23 +22047,29 @@
         </p:nvSpPr>
         <p:spPr>
           <a:xfrm>
-            <a:off x="1298448" y="594360"/>
-            <a:ext cx="7966322" cy="2843784"/>
+            <a:off x="1256275" y="2271449"/>
+            <a:ext cx="9679449" cy="2847058"/>
           </a:xfrm>
         </p:spPr>
         <p:txBody>
-          <a:bodyPr/>
+          <a:bodyPr anchor="b">
+            <a:normAutofit/>
+          </a:bodyPr>
           <a:lstStyle/>
           <a:p>
             <a:r>
-              <a:rPr lang="en-US" sz="5400" spc="400" dirty="0">
+              <a:rPr lang="en-US" sz="7200" spc="400" dirty="0">
                 <a:solidFill>
-                  <a:schemeClr val="bg1"/>
+                  <a:srgbClr val="FFFFFF"/>
                 </a:solidFill>
               </a:rPr>
               <a:t>Pronunciation Trainer </a:t>
             </a:r>
-            <a:endParaRPr lang="en-US" dirty="0"/>
+            <a:endParaRPr lang="en-US" sz="7200" dirty="0">
+              <a:solidFill>
+                <a:srgbClr val="FFFFFF"/>
+              </a:solidFill>
+            </a:endParaRPr>
           </a:p>
         </p:txBody>
       </p:sp>
@@ -21859,22 +22089,651 @@
             <p:ph type="subTitle" idx="1"/>
           </p:nvPr>
         </p:nvSpPr>
-        <p:spPr/>
+        <p:spPr>
+          <a:xfrm>
+            <a:off x="1256275" y="5098254"/>
+            <a:ext cx="9679449" cy="750259"/>
+          </a:xfrm>
+        </p:spPr>
         <p:txBody>
-          <a:bodyPr/>
+          <a:bodyPr anchor="ctr">
+            <a:normAutofit/>
+          </a:bodyPr>
           <a:lstStyle/>
           <a:p>
+            <a:pPr algn="l"/>
             <a:r>
-              <a:rPr lang="en-US" sz="2000" dirty="0">
+              <a:rPr lang="en-US">
                 <a:solidFill>
-                  <a:schemeClr val="bg1"/>
+                  <a:srgbClr val="FFFFFF"/>
                 </a:solidFill>
               </a:rPr>
               <a:t>Lokesh Agnihotri</a:t>
             </a:r>
           </a:p>
           <a:p>
-            <a:endParaRPr lang="en-US" dirty="0"/>
+            <a:pPr algn="l"/>
+            <a:endParaRPr lang="en-US">
+              <a:solidFill>
+                <a:srgbClr val="FFFFFF"/>
+              </a:solidFill>
+            </a:endParaRPr>
+          </a:p>
+        </p:txBody>
+      </p:sp>
+      <p:cxnSp>
+        <p:nvCxnSpPr>
+          <p:cNvPr id="13" name="Straight Connector 12">
+            <a:extLst>
+              <a:ext uri="{FF2B5EF4-FFF2-40B4-BE49-F238E27FC236}">
+                <a16:creationId xmlns:a16="http://schemas.microsoft.com/office/drawing/2014/main" id="{56020367-4FD5-4596-8E10-C5F095CD8DBF}"/>
+              </a:ext>
+              <a:ext uri="{C183D7F6-B498-43B3-948B-1728B52AA6E4}">
+                <adec:decorative xmlns:adec="http://schemas.microsoft.com/office/drawing/2017/decorative" val="1"/>
+              </a:ext>
+            </a:extLst>
+          </p:cNvPr>
+          <p:cNvCxnSpPr>
+            <a:cxnSpLocks noGrp="1" noRot="1" noChangeAspect="1" noMove="1" noResize="1" noEditPoints="1" noAdjustHandles="1" noChangeArrowheads="1" noChangeShapeType="1"/>
+          </p:cNvCxnSpPr>
+          <p:nvPr>
+            <p:extLst>
+              <p:ext uri="{386F3935-93C4-4BCD-93E2-E3B085C9AB24}">
+                <p16:designElem xmlns:p16="http://schemas.microsoft.com/office/powerpoint/2015/main" val="1"/>
+              </p:ext>
+            </p:extLst>
+          </p:nvPr>
+        </p:nvCxnSpPr>
+        <p:spPr>
+          <a:xfrm>
+            <a:off x="8878" y="806470"/>
+            <a:ext cx="8453437" cy="0"/>
+          </a:xfrm>
+          <a:prstGeom prst="line">
+            <a:avLst/>
+          </a:prstGeom>
+          <a:ln w="25400" cap="sq">
+            <a:solidFill>
+              <a:srgbClr val="FFFFFF"/>
+            </a:solidFill>
+            <a:bevel/>
+          </a:ln>
+        </p:spPr>
+        <p:style>
+          <a:lnRef idx="1">
+            <a:schemeClr val="accent1"/>
+          </a:lnRef>
+          <a:fillRef idx="0">
+            <a:schemeClr val="accent1"/>
+          </a:fillRef>
+          <a:effectRef idx="0">
+            <a:schemeClr val="accent1"/>
+          </a:effectRef>
+          <a:fontRef idx="minor">
+            <a:schemeClr val="tx1"/>
+          </a:fontRef>
+        </p:style>
+      </p:cxnSp>
+      <p:sp>
+        <p:nvSpPr>
+          <p:cNvPr id="15" name="Graphic 13">
+            <a:extLst>
+              <a:ext uri="{FF2B5EF4-FFF2-40B4-BE49-F238E27FC236}">
+                <a16:creationId xmlns:a16="http://schemas.microsoft.com/office/drawing/2014/main" id="{C5CB530E-515E-412C-9DF1-5F8FFBD6F383}"/>
+              </a:ext>
+              <a:ext uri="{C183D7F6-B498-43B3-948B-1728B52AA6E4}">
+                <adec:decorative xmlns:adec="http://schemas.microsoft.com/office/drawing/2017/decorative" val="1"/>
+              </a:ext>
+            </a:extLst>
+          </p:cNvPr>
+          <p:cNvSpPr>
+            <a:spLocks noGrp="1" noRot="1" noChangeAspect="1" noMove="1" noResize="1" noEditPoints="1" noAdjustHandles="1" noChangeArrowheads="1" noChangeShapeType="1" noTextEdit="1"/>
+          </p:cNvSpPr>
+          <p:nvPr>
+            <p:extLst>
+              <p:ext uri="{386F3935-93C4-4BCD-93E2-E3B085C9AB24}">
+                <p16:designElem xmlns:p16="http://schemas.microsoft.com/office/powerpoint/2015/main" val="1"/>
+              </p:ext>
+            </p:extLst>
+          </p:nvPr>
+        </p:nvSpPr>
+        <p:spPr>
+          <a:xfrm>
+            <a:off x="544954" y="2875093"/>
+            <a:ext cx="139039" cy="139039"/>
+          </a:xfrm>
+          <a:custGeom>
+            <a:avLst/>
+            <a:gdLst>
+              <a:gd name="connsiteX0" fmla="*/ 129602 w 139039"/>
+              <a:gd name="connsiteY0" fmla="*/ 60082 h 139039"/>
+              <a:gd name="connsiteX1" fmla="*/ 78957 w 139039"/>
+              <a:gd name="connsiteY1" fmla="*/ 60082 h 139039"/>
+              <a:gd name="connsiteX2" fmla="*/ 78957 w 139039"/>
+              <a:gd name="connsiteY2" fmla="*/ 9437 h 139039"/>
+              <a:gd name="connsiteX3" fmla="*/ 69520 w 139039"/>
+              <a:gd name="connsiteY3" fmla="*/ 0 h 139039"/>
+              <a:gd name="connsiteX4" fmla="*/ 60082 w 139039"/>
+              <a:gd name="connsiteY4" fmla="*/ 9437 h 139039"/>
+              <a:gd name="connsiteX5" fmla="*/ 60082 w 139039"/>
+              <a:gd name="connsiteY5" fmla="*/ 60082 h 139039"/>
+              <a:gd name="connsiteX6" fmla="*/ 9437 w 139039"/>
+              <a:gd name="connsiteY6" fmla="*/ 60082 h 139039"/>
+              <a:gd name="connsiteX7" fmla="*/ 0 w 139039"/>
+              <a:gd name="connsiteY7" fmla="*/ 69520 h 139039"/>
+              <a:gd name="connsiteX8" fmla="*/ 9437 w 139039"/>
+              <a:gd name="connsiteY8" fmla="*/ 78957 h 139039"/>
+              <a:gd name="connsiteX9" fmla="*/ 60082 w 139039"/>
+              <a:gd name="connsiteY9" fmla="*/ 78957 h 139039"/>
+              <a:gd name="connsiteX10" fmla="*/ 60082 w 139039"/>
+              <a:gd name="connsiteY10" fmla="*/ 129602 h 139039"/>
+              <a:gd name="connsiteX11" fmla="*/ 69520 w 139039"/>
+              <a:gd name="connsiteY11" fmla="*/ 139039 h 139039"/>
+              <a:gd name="connsiteX12" fmla="*/ 78957 w 139039"/>
+              <a:gd name="connsiteY12" fmla="*/ 129602 h 139039"/>
+              <a:gd name="connsiteX13" fmla="*/ 78957 w 139039"/>
+              <a:gd name="connsiteY13" fmla="*/ 78957 h 139039"/>
+              <a:gd name="connsiteX14" fmla="*/ 129602 w 139039"/>
+              <a:gd name="connsiteY14" fmla="*/ 78957 h 139039"/>
+              <a:gd name="connsiteX15" fmla="*/ 139039 w 139039"/>
+              <a:gd name="connsiteY15" fmla="*/ 69520 h 139039"/>
+              <a:gd name="connsiteX16" fmla="*/ 129602 w 139039"/>
+              <a:gd name="connsiteY16" fmla="*/ 60082 h 139039"/>
+            </a:gdLst>
+            <a:ahLst/>
+            <a:cxnLst>
+              <a:cxn ang="0">
+                <a:pos x="connsiteX0" y="connsiteY0"/>
+              </a:cxn>
+              <a:cxn ang="0">
+                <a:pos x="connsiteX1" y="connsiteY1"/>
+              </a:cxn>
+              <a:cxn ang="0">
+                <a:pos x="connsiteX2" y="connsiteY2"/>
+              </a:cxn>
+              <a:cxn ang="0">
+                <a:pos x="connsiteX3" y="connsiteY3"/>
+              </a:cxn>
+              <a:cxn ang="0">
+                <a:pos x="connsiteX4" y="connsiteY4"/>
+              </a:cxn>
+              <a:cxn ang="0">
+                <a:pos x="connsiteX5" y="connsiteY5"/>
+              </a:cxn>
+              <a:cxn ang="0">
+                <a:pos x="connsiteX6" y="connsiteY6"/>
+              </a:cxn>
+              <a:cxn ang="0">
+                <a:pos x="connsiteX7" y="connsiteY7"/>
+              </a:cxn>
+              <a:cxn ang="0">
+                <a:pos x="connsiteX8" y="connsiteY8"/>
+              </a:cxn>
+              <a:cxn ang="0">
+                <a:pos x="connsiteX9" y="connsiteY9"/>
+              </a:cxn>
+              <a:cxn ang="0">
+                <a:pos x="connsiteX10" y="connsiteY10"/>
+              </a:cxn>
+              <a:cxn ang="0">
+                <a:pos x="connsiteX11" y="connsiteY11"/>
+              </a:cxn>
+              <a:cxn ang="0">
+                <a:pos x="connsiteX12" y="connsiteY12"/>
+              </a:cxn>
+              <a:cxn ang="0">
+                <a:pos x="connsiteX13" y="connsiteY13"/>
+              </a:cxn>
+              <a:cxn ang="0">
+                <a:pos x="connsiteX14" y="connsiteY14"/>
+              </a:cxn>
+              <a:cxn ang="0">
+                <a:pos x="connsiteX15" y="connsiteY15"/>
+              </a:cxn>
+              <a:cxn ang="0">
+                <a:pos x="connsiteX16" y="connsiteY16"/>
+              </a:cxn>
+            </a:cxnLst>
+            <a:rect l="l" t="t" r="r" b="b"/>
+            <a:pathLst>
+              <a:path w="139039" h="139039">
+                <a:moveTo>
+                  <a:pt x="129602" y="60082"/>
+                </a:moveTo>
+                <a:lnTo>
+                  <a:pt x="78957" y="60082"/>
+                </a:lnTo>
+                <a:lnTo>
+                  <a:pt x="78957" y="9437"/>
+                </a:lnTo>
+                <a:cubicBezTo>
+                  <a:pt x="78957" y="4225"/>
+                  <a:pt x="74731" y="0"/>
+                  <a:pt x="69520" y="0"/>
+                </a:cubicBezTo>
+                <a:cubicBezTo>
+                  <a:pt x="64308" y="0"/>
+                  <a:pt x="60082" y="4225"/>
+                  <a:pt x="60082" y="9437"/>
+                </a:cubicBezTo>
+                <a:lnTo>
+                  <a:pt x="60082" y="60082"/>
+                </a:lnTo>
+                <a:lnTo>
+                  <a:pt x="9437" y="60082"/>
+                </a:lnTo>
+                <a:cubicBezTo>
+                  <a:pt x="4225" y="60082"/>
+                  <a:pt x="0" y="64308"/>
+                  <a:pt x="0" y="69520"/>
+                </a:cubicBezTo>
+                <a:cubicBezTo>
+                  <a:pt x="0" y="74731"/>
+                  <a:pt x="4225" y="78957"/>
+                  <a:pt x="9437" y="78957"/>
+                </a:cubicBezTo>
+                <a:lnTo>
+                  <a:pt x="60082" y="78957"/>
+                </a:lnTo>
+                <a:lnTo>
+                  <a:pt x="60082" y="129602"/>
+                </a:lnTo>
+                <a:cubicBezTo>
+                  <a:pt x="60082" y="134814"/>
+                  <a:pt x="64308" y="139039"/>
+                  <a:pt x="69520" y="139039"/>
+                </a:cubicBezTo>
+                <a:cubicBezTo>
+                  <a:pt x="74731" y="139039"/>
+                  <a:pt x="78957" y="134814"/>
+                  <a:pt x="78957" y="129602"/>
+                </a:cubicBezTo>
+                <a:lnTo>
+                  <a:pt x="78957" y="78957"/>
+                </a:lnTo>
+                <a:lnTo>
+                  <a:pt x="129602" y="78957"/>
+                </a:lnTo>
+                <a:cubicBezTo>
+                  <a:pt x="134814" y="78957"/>
+                  <a:pt x="139039" y="74731"/>
+                  <a:pt x="139039" y="69520"/>
+                </a:cubicBezTo>
+                <a:cubicBezTo>
+                  <a:pt x="139039" y="64308"/>
+                  <a:pt x="134814" y="60082"/>
+                  <a:pt x="129602" y="60082"/>
+                </a:cubicBezTo>
+                <a:close/>
+              </a:path>
+            </a:pathLst>
+          </a:custGeom>
+          <a:solidFill>
+            <a:srgbClr val="FFFFFF"/>
+          </a:solidFill>
+          <a:ln w="603" cap="flat">
+            <a:noFill/>
+            <a:prstDash val="solid"/>
+            <a:miter/>
+          </a:ln>
+        </p:spPr>
+        <p:txBody>
+          <a:bodyPr rtlCol="0" anchor="ctr"/>
+          <a:lstStyle/>
+          <a:p>
+            <a:pPr marL="0" marR="0" lvl="0" indent="0" algn="l" defTabSz="914400" rtl="0" eaLnBrk="1" fontAlgn="auto" latinLnBrk="0" hangingPunct="1">
+              <a:lnSpc>
+                <a:spcPct val="100000"/>
+              </a:lnSpc>
+              <a:spcBef>
+                <a:spcPts val="0"/>
+              </a:spcBef>
+              <a:spcAft>
+                <a:spcPts val="0"/>
+              </a:spcAft>
+              <a:buClrTx/>
+              <a:buSzTx/>
+              <a:buFontTx/>
+              <a:buNone/>
+              <a:tabLst/>
+              <a:defRPr/>
+            </a:pPr>
+            <a:endParaRPr kumimoji="0" lang="en-US" sz="1800" b="0" i="0" u="none" strike="noStrike" kern="1200" cap="none" spc="0" normalizeH="0" baseline="0" noProof="0">
+              <a:ln>
+                <a:noFill/>
+              </a:ln>
+              <a:solidFill>
+                <a:prstClr val="black"/>
+              </a:solidFill>
+              <a:effectLst/>
+              <a:uLnTx/>
+              <a:uFillTx/>
+              <a:latin typeface="Univers"/>
+              <a:ea typeface="+mn-ea"/>
+              <a:cs typeface="+mn-cs"/>
+            </a:endParaRPr>
+          </a:p>
+        </p:txBody>
+      </p:sp>
+      <p:sp>
+        <p:nvSpPr>
+          <p:cNvPr id="17" name="Graphic 12">
+            <a:extLst>
+              <a:ext uri="{FF2B5EF4-FFF2-40B4-BE49-F238E27FC236}">
+                <a16:creationId xmlns:a16="http://schemas.microsoft.com/office/drawing/2014/main" id="{712D4376-A578-4FF1-94FC-245E7A6A489F}"/>
+              </a:ext>
+              <a:ext uri="{C183D7F6-B498-43B3-948B-1728B52AA6E4}">
+                <adec:decorative xmlns:adec="http://schemas.microsoft.com/office/drawing/2017/decorative" val="1"/>
+              </a:ext>
+            </a:extLst>
+          </p:cNvPr>
+          <p:cNvSpPr>
+            <a:spLocks noGrp="1" noRot="1" noChangeAspect="1" noMove="1" noResize="1" noEditPoints="1" noAdjustHandles="1" noChangeArrowheads="1" noChangeShapeType="1" noTextEdit="1"/>
+          </p:cNvSpPr>
+          <p:nvPr>
+            <p:extLst>
+              <p:ext uri="{386F3935-93C4-4BCD-93E2-E3B085C9AB24}">
+                <p16:designElem xmlns:p16="http://schemas.microsoft.com/office/powerpoint/2015/main" val="1"/>
+              </p:ext>
+            </p:extLst>
+          </p:nvPr>
+        </p:nvSpPr>
+        <p:spPr>
+          <a:xfrm>
+            <a:off x="903734" y="3104388"/>
+            <a:ext cx="91138" cy="91138"/>
+          </a:xfrm>
+          <a:custGeom>
+            <a:avLst/>
+            <a:gdLst>
+              <a:gd name="connsiteX0" fmla="*/ 91138 w 91138"/>
+              <a:gd name="connsiteY0" fmla="*/ 45569 h 91138"/>
+              <a:gd name="connsiteX1" fmla="*/ 45569 w 91138"/>
+              <a:gd name="connsiteY1" fmla="*/ 91138 h 91138"/>
+              <a:gd name="connsiteX2" fmla="*/ 0 w 91138"/>
+              <a:gd name="connsiteY2" fmla="*/ 45569 h 91138"/>
+              <a:gd name="connsiteX3" fmla="*/ 45569 w 91138"/>
+              <a:gd name="connsiteY3" fmla="*/ 0 h 91138"/>
+              <a:gd name="connsiteX4" fmla="*/ 91138 w 91138"/>
+              <a:gd name="connsiteY4" fmla="*/ 45569 h 91138"/>
+            </a:gdLst>
+            <a:ahLst/>
+            <a:cxnLst>
+              <a:cxn ang="0">
+                <a:pos x="connsiteX0" y="connsiteY0"/>
+              </a:cxn>
+              <a:cxn ang="0">
+                <a:pos x="connsiteX1" y="connsiteY1"/>
+              </a:cxn>
+              <a:cxn ang="0">
+                <a:pos x="connsiteX2" y="connsiteY2"/>
+              </a:cxn>
+              <a:cxn ang="0">
+                <a:pos x="connsiteX3" y="connsiteY3"/>
+              </a:cxn>
+              <a:cxn ang="0">
+                <a:pos x="connsiteX4" y="connsiteY4"/>
+              </a:cxn>
+            </a:cxnLst>
+            <a:rect l="l" t="t" r="r" b="b"/>
+            <a:pathLst>
+              <a:path w="91138" h="91138">
+                <a:moveTo>
+                  <a:pt x="91138" y="45569"/>
+                </a:moveTo>
+                <a:cubicBezTo>
+                  <a:pt x="91138" y="70736"/>
+                  <a:pt x="70736" y="91138"/>
+                  <a:pt x="45569" y="91138"/>
+                </a:cubicBezTo>
+                <a:cubicBezTo>
+                  <a:pt x="20402" y="91138"/>
+                  <a:pt x="0" y="70736"/>
+                  <a:pt x="0" y="45569"/>
+                </a:cubicBezTo>
+                <a:cubicBezTo>
+                  <a:pt x="0" y="20402"/>
+                  <a:pt x="20402" y="0"/>
+                  <a:pt x="45569" y="0"/>
+                </a:cubicBezTo>
+                <a:cubicBezTo>
+                  <a:pt x="70736" y="0"/>
+                  <a:pt x="91138" y="20402"/>
+                  <a:pt x="91138" y="45569"/>
+                </a:cubicBezTo>
+                <a:close/>
+              </a:path>
+            </a:pathLst>
+          </a:custGeom>
+          <a:solidFill>
+            <a:srgbClr val="FFFFFF"/>
+          </a:solidFill>
+          <a:ln w="422" cap="flat">
+            <a:noFill/>
+            <a:prstDash val="solid"/>
+            <a:miter/>
+          </a:ln>
+        </p:spPr>
+        <p:txBody>
+          <a:bodyPr rtlCol="0" anchor="ctr"/>
+          <a:lstStyle/>
+          <a:p>
+            <a:pPr marL="0" marR="0" lvl="0" indent="0" algn="l" defTabSz="914400" rtl="0" eaLnBrk="1" fontAlgn="auto" latinLnBrk="0" hangingPunct="1">
+              <a:lnSpc>
+                <a:spcPct val="100000"/>
+              </a:lnSpc>
+              <a:spcBef>
+                <a:spcPts val="0"/>
+              </a:spcBef>
+              <a:spcAft>
+                <a:spcPts val="0"/>
+              </a:spcAft>
+              <a:buClrTx/>
+              <a:buSzTx/>
+              <a:buFontTx/>
+              <a:buNone/>
+              <a:tabLst/>
+              <a:defRPr/>
+            </a:pPr>
+            <a:endParaRPr kumimoji="0" lang="en-US" sz="1800" b="0" i="0" u="none" strike="noStrike" kern="1200" cap="none" spc="0" normalizeH="0" baseline="0" noProof="0">
+              <a:ln>
+                <a:noFill/>
+              </a:ln>
+              <a:solidFill>
+                <a:prstClr val="black"/>
+              </a:solidFill>
+              <a:effectLst/>
+              <a:uLnTx/>
+              <a:uFillTx/>
+              <a:latin typeface="Univers"/>
+              <a:ea typeface="+mn-ea"/>
+              <a:cs typeface="+mn-cs"/>
+            </a:endParaRPr>
+          </a:p>
+        </p:txBody>
+      </p:sp>
+      <p:sp>
+        <p:nvSpPr>
+          <p:cNvPr id="19" name="Graphic 15">
+            <a:extLst>
+              <a:ext uri="{FF2B5EF4-FFF2-40B4-BE49-F238E27FC236}">
+                <a16:creationId xmlns:a16="http://schemas.microsoft.com/office/drawing/2014/main" id="{AEA7509D-F04F-40CB-A0B3-EEF16499CC9F}"/>
+              </a:ext>
+              <a:ext uri="{C183D7F6-B498-43B3-948B-1728B52AA6E4}">
+                <adec:decorative xmlns:adec="http://schemas.microsoft.com/office/drawing/2017/decorative" val="1"/>
+              </a:ext>
+            </a:extLst>
+          </p:cNvPr>
+          <p:cNvSpPr>
+            <a:spLocks noGrp="1" noRot="1" noChangeAspect="1" noMove="1" noResize="1" noEditPoints="1" noAdjustHandles="1" noChangeArrowheads="1" noChangeShapeType="1" noTextEdit="1"/>
+          </p:cNvSpPr>
+          <p:nvPr>
+            <p:extLst>
+              <p:ext uri="{386F3935-93C4-4BCD-93E2-E3B085C9AB24}">
+                <p16:designElem xmlns:p16="http://schemas.microsoft.com/office/powerpoint/2015/main" val="1"/>
+              </p:ext>
+            </p:extLst>
+          </p:nvPr>
+        </p:nvSpPr>
+        <p:spPr>
+          <a:xfrm>
+            <a:off x="529414" y="3619532"/>
+            <a:ext cx="127714" cy="127714"/>
+          </a:xfrm>
+          <a:custGeom>
+            <a:avLst/>
+            <a:gdLst>
+              <a:gd name="connsiteX0" fmla="*/ 63857 w 127714"/>
+              <a:gd name="connsiteY0" fmla="*/ 18874 h 127714"/>
+              <a:gd name="connsiteX1" fmla="*/ 108840 w 127714"/>
+              <a:gd name="connsiteY1" fmla="*/ 63857 h 127714"/>
+              <a:gd name="connsiteX2" fmla="*/ 63857 w 127714"/>
+              <a:gd name="connsiteY2" fmla="*/ 108840 h 127714"/>
+              <a:gd name="connsiteX3" fmla="*/ 18874 w 127714"/>
+              <a:gd name="connsiteY3" fmla="*/ 63857 h 127714"/>
+              <a:gd name="connsiteX4" fmla="*/ 63857 w 127714"/>
+              <a:gd name="connsiteY4" fmla="*/ 18874 h 127714"/>
+              <a:gd name="connsiteX5" fmla="*/ 63857 w 127714"/>
+              <a:gd name="connsiteY5" fmla="*/ 0 h 127714"/>
+              <a:gd name="connsiteX6" fmla="*/ 0 w 127714"/>
+              <a:gd name="connsiteY6" fmla="*/ 63857 h 127714"/>
+              <a:gd name="connsiteX7" fmla="*/ 63857 w 127714"/>
+              <a:gd name="connsiteY7" fmla="*/ 127714 h 127714"/>
+              <a:gd name="connsiteX8" fmla="*/ 127714 w 127714"/>
+              <a:gd name="connsiteY8" fmla="*/ 63857 h 127714"/>
+              <a:gd name="connsiteX9" fmla="*/ 63857 w 127714"/>
+              <a:gd name="connsiteY9" fmla="*/ 0 h 127714"/>
+            </a:gdLst>
+            <a:ahLst/>
+            <a:cxnLst>
+              <a:cxn ang="0">
+                <a:pos x="connsiteX0" y="connsiteY0"/>
+              </a:cxn>
+              <a:cxn ang="0">
+                <a:pos x="connsiteX1" y="connsiteY1"/>
+              </a:cxn>
+              <a:cxn ang="0">
+                <a:pos x="connsiteX2" y="connsiteY2"/>
+              </a:cxn>
+              <a:cxn ang="0">
+                <a:pos x="connsiteX3" y="connsiteY3"/>
+              </a:cxn>
+              <a:cxn ang="0">
+                <a:pos x="connsiteX4" y="connsiteY4"/>
+              </a:cxn>
+              <a:cxn ang="0">
+                <a:pos x="connsiteX5" y="connsiteY5"/>
+              </a:cxn>
+              <a:cxn ang="0">
+                <a:pos x="connsiteX6" y="connsiteY6"/>
+              </a:cxn>
+              <a:cxn ang="0">
+                <a:pos x="connsiteX7" y="connsiteY7"/>
+              </a:cxn>
+              <a:cxn ang="0">
+                <a:pos x="connsiteX8" y="connsiteY8"/>
+              </a:cxn>
+              <a:cxn ang="0">
+                <a:pos x="connsiteX9" y="connsiteY9"/>
+              </a:cxn>
+            </a:cxnLst>
+            <a:rect l="l" t="t" r="r" b="b"/>
+            <a:pathLst>
+              <a:path w="127714" h="127714">
+                <a:moveTo>
+                  <a:pt x="63857" y="18874"/>
+                </a:moveTo>
+                <a:cubicBezTo>
+                  <a:pt x="88700" y="18874"/>
+                  <a:pt x="108840" y="39014"/>
+                  <a:pt x="108840" y="63857"/>
+                </a:cubicBezTo>
+                <a:cubicBezTo>
+                  <a:pt x="108840" y="88700"/>
+                  <a:pt x="88700" y="108840"/>
+                  <a:pt x="63857" y="108840"/>
+                </a:cubicBezTo>
+                <a:cubicBezTo>
+                  <a:pt x="39014" y="108840"/>
+                  <a:pt x="18874" y="88700"/>
+                  <a:pt x="18874" y="63857"/>
+                </a:cubicBezTo>
+                <a:cubicBezTo>
+                  <a:pt x="18898" y="39024"/>
+                  <a:pt x="39024" y="18898"/>
+                  <a:pt x="63857" y="18874"/>
+                </a:cubicBezTo>
+                <a:moveTo>
+                  <a:pt x="63857" y="0"/>
+                </a:moveTo>
+                <a:cubicBezTo>
+                  <a:pt x="28590" y="0"/>
+                  <a:pt x="0" y="28590"/>
+                  <a:pt x="0" y="63857"/>
+                </a:cubicBezTo>
+                <a:cubicBezTo>
+                  <a:pt x="0" y="99124"/>
+                  <a:pt x="28590" y="127714"/>
+                  <a:pt x="63857" y="127714"/>
+                </a:cubicBezTo>
+                <a:cubicBezTo>
+                  <a:pt x="99124" y="127714"/>
+                  <a:pt x="127714" y="99124"/>
+                  <a:pt x="127714" y="63857"/>
+                </a:cubicBezTo>
+                <a:cubicBezTo>
+                  <a:pt x="127714" y="28590"/>
+                  <a:pt x="99124" y="0"/>
+                  <a:pt x="63857" y="0"/>
+                </a:cubicBezTo>
+                <a:close/>
+              </a:path>
+            </a:pathLst>
+          </a:custGeom>
+          <a:solidFill>
+            <a:srgbClr val="FFFFFF"/>
+          </a:solidFill>
+          <a:ln w="610" cap="flat">
+            <a:noFill/>
+            <a:prstDash val="solid"/>
+            <a:miter/>
+          </a:ln>
+        </p:spPr>
+        <p:txBody>
+          <a:bodyPr rtlCol="0" anchor="ctr"/>
+          <a:lstStyle/>
+          <a:p>
+            <a:pPr marL="0" marR="0" lvl="0" indent="0" algn="l" defTabSz="914400" rtl="0" eaLnBrk="1" fontAlgn="auto" latinLnBrk="0" hangingPunct="1">
+              <a:lnSpc>
+                <a:spcPct val="100000"/>
+              </a:lnSpc>
+              <a:spcBef>
+                <a:spcPts val="0"/>
+              </a:spcBef>
+              <a:spcAft>
+                <a:spcPts val="0"/>
+              </a:spcAft>
+              <a:buClrTx/>
+              <a:buSzTx/>
+              <a:buFontTx/>
+              <a:buNone/>
+              <a:tabLst/>
+              <a:defRPr/>
+            </a:pPr>
+            <a:endParaRPr kumimoji="0" lang="en-US" sz="1800" b="0" i="0" u="none" strike="noStrike" kern="1200" cap="none" spc="0" normalizeH="0" baseline="0" noProof="0">
+              <a:ln>
+                <a:noFill/>
+              </a:ln>
+              <a:solidFill>
+                <a:prstClr val="black"/>
+              </a:solidFill>
+              <a:effectLst/>
+              <a:uLnTx/>
+              <a:uFillTx/>
+              <a:latin typeface="Univers"/>
+              <a:ea typeface="+mn-ea"/>
+              <a:cs typeface="+mn-cs"/>
+            </a:endParaRPr>
           </a:p>
         </p:txBody>
       </p:sp>
@@ -22719,6 +23578,819 @@
 <file path=ppt/slides/slide11.xml><?xml version="1.0" encoding="utf-8"?>
 <p:sld xmlns:a="http://schemas.openxmlformats.org/drawingml/2006/main" xmlns:r="http://schemas.openxmlformats.org/officeDocument/2006/relationships" xmlns:p="http://schemas.openxmlformats.org/presentationml/2006/main">
   <p:cSld>
+    <p:bg>
+      <p:bgPr>
+        <a:solidFill>
+          <a:schemeClr val="bg1"/>
+        </a:solidFill>
+        <a:effectLst/>
+      </p:bgPr>
+    </p:bg>
+    <p:spTree>
+      <p:nvGrpSpPr>
+        <p:cNvPr id="1" name=""/>
+        <p:cNvGrpSpPr/>
+        <p:nvPr/>
+      </p:nvGrpSpPr>
+      <p:grpSpPr>
+        <a:xfrm>
+          <a:off x="0" y="0"/>
+          <a:ext cx="0" cy="0"/>
+          <a:chOff x="0" y="0"/>
+          <a:chExt cx="0" cy="0"/>
+        </a:xfrm>
+      </p:grpSpPr>
+      <p:sp>
+        <p:nvSpPr>
+          <p:cNvPr id="34" name="Rectangle 20">
+            <a:extLst>
+              <a:ext uri="{FF2B5EF4-FFF2-40B4-BE49-F238E27FC236}">
+                <a16:creationId xmlns:a16="http://schemas.microsoft.com/office/drawing/2014/main" id="{EFA9B6C6-A247-48A8-9A1C-1E36FA9456B5}"/>
+              </a:ext>
+              <a:ext uri="{C183D7F6-B498-43B3-948B-1728B52AA6E4}">
+                <adec:decorative xmlns:adec="http://schemas.microsoft.com/office/drawing/2017/decorative" val="1"/>
+              </a:ext>
+            </a:extLst>
+          </p:cNvPr>
+          <p:cNvSpPr>
+            <a:spLocks noGrp="1" noRot="1" noChangeAspect="1" noMove="1" noResize="1" noEditPoints="1" noAdjustHandles="1" noChangeArrowheads="1" noChangeShapeType="1" noTextEdit="1"/>
+          </p:cNvSpPr>
+          <p:nvPr>
+            <p:extLst>
+              <p:ext uri="{386F3935-93C4-4BCD-93E2-E3B085C9AB24}">
+                <p16:designElem xmlns:p16="http://schemas.microsoft.com/office/powerpoint/2015/main" val="1"/>
+              </p:ext>
+            </p:extLst>
+          </p:nvPr>
+        </p:nvSpPr>
+        <p:spPr>
+          <a:xfrm>
+            <a:off x="0" y="0"/>
+            <a:ext cx="12192000" cy="6858000"/>
+          </a:xfrm>
+          <a:prstGeom prst="rect">
+            <a:avLst/>
+          </a:prstGeom>
+          <a:gradFill flip="none" rotWithShape="1">
+            <a:gsLst>
+              <a:gs pos="100000">
+                <a:schemeClr val="accent4"/>
+              </a:gs>
+              <a:gs pos="0">
+                <a:schemeClr val="accent2"/>
+              </a:gs>
+            </a:gsLst>
+            <a:lin ang="2700000" scaled="1"/>
+            <a:tileRect/>
+          </a:gradFill>
+          <a:ln>
+            <a:noFill/>
+          </a:ln>
+        </p:spPr>
+        <p:style>
+          <a:lnRef idx="2">
+            <a:schemeClr val="accent1">
+              <a:shade val="50000"/>
+            </a:schemeClr>
+          </a:lnRef>
+          <a:fillRef idx="1">
+            <a:schemeClr val="accent1"/>
+          </a:fillRef>
+          <a:effectRef idx="0">
+            <a:schemeClr val="accent1"/>
+          </a:effectRef>
+          <a:fontRef idx="minor">
+            <a:schemeClr val="lt1"/>
+          </a:fontRef>
+        </p:style>
+        <p:txBody>
+          <a:bodyPr rtlCol="0" anchor="ctr"/>
+          <a:lstStyle/>
+          <a:p>
+            <a:pPr algn="ctr"/>
+            <a:endParaRPr lang="en-US" dirty="0"/>
+          </a:p>
+        </p:txBody>
+      </p:sp>
+      <p:sp>
+        <p:nvSpPr>
+          <p:cNvPr id="3" name="Subtitle 2">
+            <a:extLst>
+              <a:ext uri="{FF2B5EF4-FFF2-40B4-BE49-F238E27FC236}">
+                <a16:creationId xmlns:a16="http://schemas.microsoft.com/office/drawing/2014/main" id="{AC68ECF9-D527-23AA-8293-5DB4912030E1}"/>
+              </a:ext>
+            </a:extLst>
+          </p:cNvPr>
+          <p:cNvSpPr>
+            <a:spLocks noGrp="1"/>
+          </p:cNvSpPr>
+          <p:nvPr>
+            <p:ph type="subTitle" idx="1"/>
+          </p:nvPr>
+        </p:nvSpPr>
+        <p:spPr>
+          <a:xfrm>
+            <a:off x="690511" y="257174"/>
+            <a:ext cx="5141949" cy="1198120"/>
+          </a:xfrm>
+        </p:spPr>
+        <p:txBody>
+          <a:bodyPr vert="horz" lIns="91440" tIns="45720" rIns="91440" bIns="45720" rtlCol="0">
+            <a:normAutofit/>
+          </a:bodyPr>
+          <a:lstStyle/>
+          <a:p>
+            <a:pPr algn="l"/>
+            <a:r>
+              <a:rPr lang="en-US" kern="1200" dirty="0">
+                <a:latin typeface="+mn-lt"/>
+                <a:ea typeface="+mn-ea"/>
+                <a:cs typeface="+mn-cs"/>
+              </a:rPr>
+              <a:t>User Test Results</a:t>
+            </a:r>
+            <a:br>
+              <a:rPr lang="en-US" kern="1200" dirty="0">
+                <a:latin typeface="+mn-lt"/>
+                <a:ea typeface="+mn-ea"/>
+                <a:cs typeface="+mn-cs"/>
+              </a:rPr>
+            </a:br>
+            <a:endParaRPr lang="en-US" kern="1200" dirty="0">
+              <a:latin typeface="+mn-lt"/>
+              <a:ea typeface="+mn-ea"/>
+              <a:cs typeface="+mn-cs"/>
+            </a:endParaRPr>
+          </a:p>
+          <a:p>
+            <a:pPr algn="l"/>
+            <a:endParaRPr lang="en-US" kern="1200" dirty="0">
+              <a:latin typeface="+mn-lt"/>
+              <a:ea typeface="+mn-ea"/>
+              <a:cs typeface="+mn-cs"/>
+            </a:endParaRPr>
+          </a:p>
+          <a:p>
+            <a:pPr algn="l"/>
+            <a:endParaRPr lang="en-US" kern="1200" dirty="0">
+              <a:latin typeface="+mn-lt"/>
+              <a:ea typeface="+mn-ea"/>
+              <a:cs typeface="+mn-cs"/>
+            </a:endParaRPr>
+          </a:p>
+        </p:txBody>
+      </p:sp>
+      <p:sp>
+        <p:nvSpPr>
+          <p:cNvPr id="35" name="Graphic 13">
+            <a:extLst>
+              <a:ext uri="{FF2B5EF4-FFF2-40B4-BE49-F238E27FC236}">
+                <a16:creationId xmlns:a16="http://schemas.microsoft.com/office/drawing/2014/main" id="{C5CB530E-515E-412C-9DF1-5F8FFBD6F383}"/>
+              </a:ext>
+              <a:ext uri="{C183D7F6-B498-43B3-948B-1728B52AA6E4}">
+                <adec:decorative xmlns:adec="http://schemas.microsoft.com/office/drawing/2017/decorative" val="1"/>
+              </a:ext>
+            </a:extLst>
+          </p:cNvPr>
+          <p:cNvSpPr>
+            <a:spLocks noGrp="1" noRot="1" noChangeAspect="1" noMove="1" noResize="1" noEditPoints="1" noAdjustHandles="1" noChangeArrowheads="1" noChangeShapeType="1" noTextEdit="1"/>
+          </p:cNvSpPr>
+          <p:nvPr>
+            <p:extLst>
+              <p:ext uri="{386F3935-93C4-4BCD-93E2-E3B085C9AB24}">
+                <p16:designElem xmlns:p16="http://schemas.microsoft.com/office/powerpoint/2015/main" val="1"/>
+              </p:ext>
+            </p:extLst>
+          </p:nvPr>
+        </p:nvSpPr>
+        <p:spPr>
+          <a:xfrm>
+            <a:off x="6757334" y="1931746"/>
+            <a:ext cx="139038" cy="139038"/>
+          </a:xfrm>
+          <a:custGeom>
+            <a:avLst/>
+            <a:gdLst>
+              <a:gd name="connsiteX0" fmla="*/ 129601 w 139038"/>
+              <a:gd name="connsiteY0" fmla="*/ 60082 h 139038"/>
+              <a:gd name="connsiteX1" fmla="*/ 78956 w 139038"/>
+              <a:gd name="connsiteY1" fmla="*/ 60082 h 139038"/>
+              <a:gd name="connsiteX2" fmla="*/ 78956 w 139038"/>
+              <a:gd name="connsiteY2" fmla="*/ 9437 h 139038"/>
+              <a:gd name="connsiteX3" fmla="*/ 69519 w 139038"/>
+              <a:gd name="connsiteY3" fmla="*/ 0 h 139038"/>
+              <a:gd name="connsiteX4" fmla="*/ 60082 w 139038"/>
+              <a:gd name="connsiteY4" fmla="*/ 9437 h 139038"/>
+              <a:gd name="connsiteX5" fmla="*/ 60082 w 139038"/>
+              <a:gd name="connsiteY5" fmla="*/ 60082 h 139038"/>
+              <a:gd name="connsiteX6" fmla="*/ 9437 w 139038"/>
+              <a:gd name="connsiteY6" fmla="*/ 60082 h 139038"/>
+              <a:gd name="connsiteX7" fmla="*/ 0 w 139038"/>
+              <a:gd name="connsiteY7" fmla="*/ 69519 h 139038"/>
+              <a:gd name="connsiteX8" fmla="*/ 9437 w 139038"/>
+              <a:gd name="connsiteY8" fmla="*/ 78956 h 139038"/>
+              <a:gd name="connsiteX9" fmla="*/ 60082 w 139038"/>
+              <a:gd name="connsiteY9" fmla="*/ 78956 h 139038"/>
+              <a:gd name="connsiteX10" fmla="*/ 60082 w 139038"/>
+              <a:gd name="connsiteY10" fmla="*/ 129601 h 139038"/>
+              <a:gd name="connsiteX11" fmla="*/ 69519 w 139038"/>
+              <a:gd name="connsiteY11" fmla="*/ 139038 h 139038"/>
+              <a:gd name="connsiteX12" fmla="*/ 78956 w 139038"/>
+              <a:gd name="connsiteY12" fmla="*/ 129601 h 139038"/>
+              <a:gd name="connsiteX13" fmla="*/ 78956 w 139038"/>
+              <a:gd name="connsiteY13" fmla="*/ 78956 h 139038"/>
+              <a:gd name="connsiteX14" fmla="*/ 129601 w 139038"/>
+              <a:gd name="connsiteY14" fmla="*/ 78956 h 139038"/>
+              <a:gd name="connsiteX15" fmla="*/ 139038 w 139038"/>
+              <a:gd name="connsiteY15" fmla="*/ 69519 h 139038"/>
+              <a:gd name="connsiteX16" fmla="*/ 129601 w 139038"/>
+              <a:gd name="connsiteY16" fmla="*/ 60082 h 139038"/>
+            </a:gdLst>
+            <a:ahLst/>
+            <a:cxnLst>
+              <a:cxn ang="0">
+                <a:pos x="connsiteX0" y="connsiteY0"/>
+              </a:cxn>
+              <a:cxn ang="0">
+                <a:pos x="connsiteX1" y="connsiteY1"/>
+              </a:cxn>
+              <a:cxn ang="0">
+                <a:pos x="connsiteX2" y="connsiteY2"/>
+              </a:cxn>
+              <a:cxn ang="0">
+                <a:pos x="connsiteX3" y="connsiteY3"/>
+              </a:cxn>
+              <a:cxn ang="0">
+                <a:pos x="connsiteX4" y="connsiteY4"/>
+              </a:cxn>
+              <a:cxn ang="0">
+                <a:pos x="connsiteX5" y="connsiteY5"/>
+              </a:cxn>
+              <a:cxn ang="0">
+                <a:pos x="connsiteX6" y="connsiteY6"/>
+              </a:cxn>
+              <a:cxn ang="0">
+                <a:pos x="connsiteX7" y="connsiteY7"/>
+              </a:cxn>
+              <a:cxn ang="0">
+                <a:pos x="connsiteX8" y="connsiteY8"/>
+              </a:cxn>
+              <a:cxn ang="0">
+                <a:pos x="connsiteX9" y="connsiteY9"/>
+              </a:cxn>
+              <a:cxn ang="0">
+                <a:pos x="connsiteX10" y="connsiteY10"/>
+              </a:cxn>
+              <a:cxn ang="0">
+                <a:pos x="connsiteX11" y="connsiteY11"/>
+              </a:cxn>
+              <a:cxn ang="0">
+                <a:pos x="connsiteX12" y="connsiteY12"/>
+              </a:cxn>
+              <a:cxn ang="0">
+                <a:pos x="connsiteX13" y="connsiteY13"/>
+              </a:cxn>
+              <a:cxn ang="0">
+                <a:pos x="connsiteX14" y="connsiteY14"/>
+              </a:cxn>
+              <a:cxn ang="0">
+                <a:pos x="connsiteX15" y="connsiteY15"/>
+              </a:cxn>
+              <a:cxn ang="0">
+                <a:pos x="connsiteX16" y="connsiteY16"/>
+              </a:cxn>
+            </a:cxnLst>
+            <a:rect l="l" t="t" r="r" b="b"/>
+            <a:pathLst>
+              <a:path w="139038" h="139038">
+                <a:moveTo>
+                  <a:pt x="129601" y="60082"/>
+                </a:moveTo>
+                <a:lnTo>
+                  <a:pt x="78956" y="60082"/>
+                </a:lnTo>
+                <a:lnTo>
+                  <a:pt x="78956" y="9437"/>
+                </a:lnTo>
+                <a:cubicBezTo>
+                  <a:pt x="78956" y="4225"/>
+                  <a:pt x="74731" y="0"/>
+                  <a:pt x="69519" y="0"/>
+                </a:cubicBezTo>
+                <a:cubicBezTo>
+                  <a:pt x="64307" y="0"/>
+                  <a:pt x="60082" y="4225"/>
+                  <a:pt x="60082" y="9437"/>
+                </a:cubicBezTo>
+                <a:lnTo>
+                  <a:pt x="60082" y="60082"/>
+                </a:lnTo>
+                <a:lnTo>
+                  <a:pt x="9437" y="60082"/>
+                </a:lnTo>
+                <a:cubicBezTo>
+                  <a:pt x="4225" y="60082"/>
+                  <a:pt x="0" y="64307"/>
+                  <a:pt x="0" y="69519"/>
+                </a:cubicBezTo>
+                <a:cubicBezTo>
+                  <a:pt x="0" y="74731"/>
+                  <a:pt x="4225" y="78956"/>
+                  <a:pt x="9437" y="78956"/>
+                </a:cubicBezTo>
+                <a:lnTo>
+                  <a:pt x="60082" y="78956"/>
+                </a:lnTo>
+                <a:lnTo>
+                  <a:pt x="60082" y="129601"/>
+                </a:lnTo>
+                <a:cubicBezTo>
+                  <a:pt x="60082" y="134813"/>
+                  <a:pt x="64307" y="139038"/>
+                  <a:pt x="69519" y="139038"/>
+                </a:cubicBezTo>
+                <a:cubicBezTo>
+                  <a:pt x="74731" y="139038"/>
+                  <a:pt x="78956" y="134813"/>
+                  <a:pt x="78956" y="129601"/>
+                </a:cubicBezTo>
+                <a:lnTo>
+                  <a:pt x="78956" y="78956"/>
+                </a:lnTo>
+                <a:lnTo>
+                  <a:pt x="129601" y="78956"/>
+                </a:lnTo>
+                <a:cubicBezTo>
+                  <a:pt x="134813" y="78956"/>
+                  <a:pt x="139038" y="74731"/>
+                  <a:pt x="139038" y="69519"/>
+                </a:cubicBezTo>
+                <a:cubicBezTo>
+                  <a:pt x="139038" y="64307"/>
+                  <a:pt x="134813" y="60082"/>
+                  <a:pt x="129601" y="60082"/>
+                </a:cubicBezTo>
+                <a:close/>
+              </a:path>
+            </a:pathLst>
+          </a:custGeom>
+          <a:solidFill>
+            <a:schemeClr val="bg1"/>
+          </a:solidFill>
+          <a:ln w="603" cap="flat">
+            <a:noFill/>
+            <a:prstDash val="solid"/>
+            <a:miter/>
+          </a:ln>
+        </p:spPr>
+        <p:txBody>
+          <a:bodyPr rtlCol="0" anchor="ctr"/>
+          <a:lstStyle/>
+          <a:p>
+            <a:endParaRPr lang="en-US"/>
+          </a:p>
+        </p:txBody>
+      </p:sp>
+      <p:sp>
+        <p:nvSpPr>
+          <p:cNvPr id="25" name="Graphic 12">
+            <a:extLst>
+              <a:ext uri="{FF2B5EF4-FFF2-40B4-BE49-F238E27FC236}">
+                <a16:creationId xmlns:a16="http://schemas.microsoft.com/office/drawing/2014/main" id="{712D4376-A578-4FF1-94FC-245E7A6A489F}"/>
+              </a:ext>
+              <a:ext uri="{C183D7F6-B498-43B3-948B-1728B52AA6E4}">
+                <adec:decorative xmlns:adec="http://schemas.microsoft.com/office/drawing/2017/decorative" val="1"/>
+              </a:ext>
+            </a:extLst>
+          </p:cNvPr>
+          <p:cNvSpPr>
+            <a:spLocks noGrp="1" noRot="1" noChangeAspect="1" noMove="1" noResize="1" noEditPoints="1" noAdjustHandles="1" noChangeArrowheads="1" noChangeShapeType="1" noTextEdit="1"/>
+          </p:cNvSpPr>
+          <p:nvPr>
+            <p:extLst>
+              <p:ext uri="{386F3935-93C4-4BCD-93E2-E3B085C9AB24}">
+                <p16:designElem xmlns:p16="http://schemas.microsoft.com/office/powerpoint/2015/main" val="1"/>
+              </p:ext>
+            </p:extLst>
+          </p:nvPr>
+        </p:nvSpPr>
+        <p:spPr>
+          <a:xfrm>
+            <a:off x="7116112" y="2141584"/>
+            <a:ext cx="91138" cy="91138"/>
+          </a:xfrm>
+          <a:custGeom>
+            <a:avLst/>
+            <a:gdLst>
+              <a:gd name="connsiteX0" fmla="*/ 91138 w 91138"/>
+              <a:gd name="connsiteY0" fmla="*/ 45569 h 91138"/>
+              <a:gd name="connsiteX1" fmla="*/ 45569 w 91138"/>
+              <a:gd name="connsiteY1" fmla="*/ 91138 h 91138"/>
+              <a:gd name="connsiteX2" fmla="*/ 0 w 91138"/>
+              <a:gd name="connsiteY2" fmla="*/ 45569 h 91138"/>
+              <a:gd name="connsiteX3" fmla="*/ 45569 w 91138"/>
+              <a:gd name="connsiteY3" fmla="*/ 0 h 91138"/>
+              <a:gd name="connsiteX4" fmla="*/ 91138 w 91138"/>
+              <a:gd name="connsiteY4" fmla="*/ 45569 h 91138"/>
+            </a:gdLst>
+            <a:ahLst/>
+            <a:cxnLst>
+              <a:cxn ang="0">
+                <a:pos x="connsiteX0" y="connsiteY0"/>
+              </a:cxn>
+              <a:cxn ang="0">
+                <a:pos x="connsiteX1" y="connsiteY1"/>
+              </a:cxn>
+              <a:cxn ang="0">
+                <a:pos x="connsiteX2" y="connsiteY2"/>
+              </a:cxn>
+              <a:cxn ang="0">
+                <a:pos x="connsiteX3" y="connsiteY3"/>
+              </a:cxn>
+              <a:cxn ang="0">
+                <a:pos x="connsiteX4" y="connsiteY4"/>
+              </a:cxn>
+            </a:cxnLst>
+            <a:rect l="l" t="t" r="r" b="b"/>
+            <a:pathLst>
+              <a:path w="91138" h="91138">
+                <a:moveTo>
+                  <a:pt x="91138" y="45569"/>
+                </a:moveTo>
+                <a:cubicBezTo>
+                  <a:pt x="91138" y="70736"/>
+                  <a:pt x="70736" y="91138"/>
+                  <a:pt x="45569" y="91138"/>
+                </a:cubicBezTo>
+                <a:cubicBezTo>
+                  <a:pt x="20402" y="91138"/>
+                  <a:pt x="0" y="70736"/>
+                  <a:pt x="0" y="45569"/>
+                </a:cubicBezTo>
+                <a:cubicBezTo>
+                  <a:pt x="0" y="20402"/>
+                  <a:pt x="20402" y="0"/>
+                  <a:pt x="45569" y="0"/>
+                </a:cubicBezTo>
+                <a:cubicBezTo>
+                  <a:pt x="70736" y="0"/>
+                  <a:pt x="91138" y="20402"/>
+                  <a:pt x="91138" y="45569"/>
+                </a:cubicBezTo>
+                <a:close/>
+              </a:path>
+            </a:pathLst>
+          </a:custGeom>
+          <a:solidFill>
+            <a:schemeClr val="bg1"/>
+          </a:solidFill>
+          <a:ln w="422" cap="flat">
+            <a:noFill/>
+            <a:prstDash val="solid"/>
+            <a:miter/>
+          </a:ln>
+        </p:spPr>
+        <p:txBody>
+          <a:bodyPr rtlCol="0" anchor="ctr"/>
+          <a:lstStyle/>
+          <a:p>
+            <a:endParaRPr lang="en-US"/>
+          </a:p>
+        </p:txBody>
+      </p:sp>
+      <p:sp>
+        <p:nvSpPr>
+          <p:cNvPr id="27" name="Graphic 15">
+            <a:extLst>
+              <a:ext uri="{FF2B5EF4-FFF2-40B4-BE49-F238E27FC236}">
+                <a16:creationId xmlns:a16="http://schemas.microsoft.com/office/drawing/2014/main" id="{AEA7509D-F04F-40CB-A0B3-EEF16499CC9F}"/>
+              </a:ext>
+              <a:ext uri="{C183D7F6-B498-43B3-948B-1728B52AA6E4}">
+                <adec:decorative xmlns:adec="http://schemas.microsoft.com/office/drawing/2017/decorative" val="1"/>
+              </a:ext>
+            </a:extLst>
+          </p:cNvPr>
+          <p:cNvSpPr>
+            <a:spLocks noGrp="1" noRot="1" noChangeAspect="1" noMove="1" noResize="1" noEditPoints="1" noAdjustHandles="1" noChangeArrowheads="1" noChangeShapeType="1" noTextEdit="1"/>
+          </p:cNvSpPr>
+          <p:nvPr>
+            <p:extLst>
+              <p:ext uri="{386F3935-93C4-4BCD-93E2-E3B085C9AB24}">
+                <p16:designElem xmlns:p16="http://schemas.microsoft.com/office/powerpoint/2015/main" val="1"/>
+              </p:ext>
+            </p:extLst>
+          </p:nvPr>
+        </p:nvSpPr>
+        <p:spPr>
+          <a:xfrm>
+            <a:off x="6741794" y="2385465"/>
+            <a:ext cx="127713" cy="127713"/>
+          </a:xfrm>
+          <a:custGeom>
+            <a:avLst/>
+            <a:gdLst>
+              <a:gd name="connsiteX0" fmla="*/ 63857 w 127713"/>
+              <a:gd name="connsiteY0" fmla="*/ 18874 h 127713"/>
+              <a:gd name="connsiteX1" fmla="*/ 108839 w 127713"/>
+              <a:gd name="connsiteY1" fmla="*/ 63857 h 127713"/>
+              <a:gd name="connsiteX2" fmla="*/ 63857 w 127713"/>
+              <a:gd name="connsiteY2" fmla="*/ 108839 h 127713"/>
+              <a:gd name="connsiteX3" fmla="*/ 18874 w 127713"/>
+              <a:gd name="connsiteY3" fmla="*/ 63857 h 127713"/>
+              <a:gd name="connsiteX4" fmla="*/ 63857 w 127713"/>
+              <a:gd name="connsiteY4" fmla="*/ 18874 h 127713"/>
+              <a:gd name="connsiteX5" fmla="*/ 63857 w 127713"/>
+              <a:gd name="connsiteY5" fmla="*/ 0 h 127713"/>
+              <a:gd name="connsiteX6" fmla="*/ 0 w 127713"/>
+              <a:gd name="connsiteY6" fmla="*/ 63857 h 127713"/>
+              <a:gd name="connsiteX7" fmla="*/ 63857 w 127713"/>
+              <a:gd name="connsiteY7" fmla="*/ 127713 h 127713"/>
+              <a:gd name="connsiteX8" fmla="*/ 127713 w 127713"/>
+              <a:gd name="connsiteY8" fmla="*/ 63857 h 127713"/>
+              <a:gd name="connsiteX9" fmla="*/ 63857 w 127713"/>
+              <a:gd name="connsiteY9" fmla="*/ 0 h 127713"/>
+            </a:gdLst>
+            <a:ahLst/>
+            <a:cxnLst>
+              <a:cxn ang="0">
+                <a:pos x="connsiteX0" y="connsiteY0"/>
+              </a:cxn>
+              <a:cxn ang="0">
+                <a:pos x="connsiteX1" y="connsiteY1"/>
+              </a:cxn>
+              <a:cxn ang="0">
+                <a:pos x="connsiteX2" y="connsiteY2"/>
+              </a:cxn>
+              <a:cxn ang="0">
+                <a:pos x="connsiteX3" y="connsiteY3"/>
+              </a:cxn>
+              <a:cxn ang="0">
+                <a:pos x="connsiteX4" y="connsiteY4"/>
+              </a:cxn>
+              <a:cxn ang="0">
+                <a:pos x="connsiteX5" y="connsiteY5"/>
+              </a:cxn>
+              <a:cxn ang="0">
+                <a:pos x="connsiteX6" y="connsiteY6"/>
+              </a:cxn>
+              <a:cxn ang="0">
+                <a:pos x="connsiteX7" y="connsiteY7"/>
+              </a:cxn>
+              <a:cxn ang="0">
+                <a:pos x="connsiteX8" y="connsiteY8"/>
+              </a:cxn>
+              <a:cxn ang="0">
+                <a:pos x="connsiteX9" y="connsiteY9"/>
+              </a:cxn>
+            </a:cxnLst>
+            <a:rect l="l" t="t" r="r" b="b"/>
+            <a:pathLst>
+              <a:path w="127713" h="127713">
+                <a:moveTo>
+                  <a:pt x="63857" y="18874"/>
+                </a:moveTo>
+                <a:cubicBezTo>
+                  <a:pt x="88700" y="18874"/>
+                  <a:pt x="108839" y="39013"/>
+                  <a:pt x="108839" y="63857"/>
+                </a:cubicBezTo>
+                <a:cubicBezTo>
+                  <a:pt x="108839" y="88700"/>
+                  <a:pt x="88700" y="108839"/>
+                  <a:pt x="63857" y="108839"/>
+                </a:cubicBezTo>
+                <a:cubicBezTo>
+                  <a:pt x="39013" y="108839"/>
+                  <a:pt x="18874" y="88700"/>
+                  <a:pt x="18874" y="63857"/>
+                </a:cubicBezTo>
+                <a:cubicBezTo>
+                  <a:pt x="18898" y="39023"/>
+                  <a:pt x="39023" y="18898"/>
+                  <a:pt x="63857" y="18874"/>
+                </a:cubicBezTo>
+                <a:moveTo>
+                  <a:pt x="63857" y="0"/>
+                </a:moveTo>
+                <a:cubicBezTo>
+                  <a:pt x="28590" y="0"/>
+                  <a:pt x="0" y="28590"/>
+                  <a:pt x="0" y="63857"/>
+                </a:cubicBezTo>
+                <a:cubicBezTo>
+                  <a:pt x="0" y="99124"/>
+                  <a:pt x="28590" y="127713"/>
+                  <a:pt x="63857" y="127713"/>
+                </a:cubicBezTo>
+                <a:cubicBezTo>
+                  <a:pt x="99124" y="127713"/>
+                  <a:pt x="127713" y="99124"/>
+                  <a:pt x="127713" y="63857"/>
+                </a:cubicBezTo>
+                <a:cubicBezTo>
+                  <a:pt x="127713" y="28590"/>
+                  <a:pt x="99124" y="0"/>
+                  <a:pt x="63857" y="0"/>
+                </a:cubicBezTo>
+                <a:close/>
+              </a:path>
+            </a:pathLst>
+          </a:custGeom>
+          <a:solidFill>
+            <a:schemeClr val="bg1"/>
+          </a:solidFill>
+          <a:ln w="610" cap="flat">
+            <a:noFill/>
+            <a:prstDash val="solid"/>
+            <a:miter/>
+          </a:ln>
+        </p:spPr>
+        <p:txBody>
+          <a:bodyPr rtlCol="0" anchor="ctr"/>
+          <a:lstStyle/>
+          <a:p>
+            <a:endParaRPr lang="en-US"/>
+          </a:p>
+        </p:txBody>
+      </p:sp>
+      <p:pic>
+        <p:nvPicPr>
+          <p:cNvPr id="5" name="Picture 4">
+            <a:extLst>
+              <a:ext uri="{FF2B5EF4-FFF2-40B4-BE49-F238E27FC236}">
+                <a16:creationId xmlns:a16="http://schemas.microsoft.com/office/drawing/2014/main" id="{58CAC596-8A1C-20E3-03F0-D0EE4E327BCA}"/>
+              </a:ext>
+            </a:extLst>
+          </p:cNvPr>
+          <p:cNvPicPr>
+            <a:picLocks noChangeAspect="1"/>
+          </p:cNvPicPr>
+          <p:nvPr/>
+        </p:nvPicPr>
+        <p:blipFill>
+          <a:blip r:embed="rId2"/>
+          <a:stretch>
+            <a:fillRect/>
+          </a:stretch>
+        </p:blipFill>
+        <p:spPr>
+          <a:xfrm>
+            <a:off x="7480300" y="0"/>
+            <a:ext cx="4711700" cy="2461863"/>
+          </a:xfrm>
+          <a:prstGeom prst="rect">
+            <a:avLst/>
+          </a:prstGeom>
+        </p:spPr>
+      </p:pic>
+      <p:cxnSp>
+        <p:nvCxnSpPr>
+          <p:cNvPr id="29" name="Straight Connector 28">
+            <a:extLst>
+              <a:ext uri="{FF2B5EF4-FFF2-40B4-BE49-F238E27FC236}">
+                <a16:creationId xmlns:a16="http://schemas.microsoft.com/office/drawing/2014/main" id="{56020367-4FD5-4596-8E10-C5F095CD8DBF}"/>
+              </a:ext>
+              <a:ext uri="{C183D7F6-B498-43B3-948B-1728B52AA6E4}">
+                <adec:decorative xmlns:adec="http://schemas.microsoft.com/office/drawing/2017/decorative" val="1"/>
+              </a:ext>
+            </a:extLst>
+          </p:cNvPr>
+          <p:cNvCxnSpPr>
+            <a:cxnSpLocks noGrp="1" noRot="1" noChangeAspect="1" noMove="1" noResize="1" noEditPoints="1" noAdjustHandles="1" noChangeArrowheads="1" noChangeShapeType="1"/>
+          </p:cNvCxnSpPr>
+          <p:nvPr>
+            <p:extLst>
+              <p:ext uri="{386F3935-93C4-4BCD-93E2-E3B085C9AB24}">
+                <p16:designElem xmlns:p16="http://schemas.microsoft.com/office/powerpoint/2015/main" val="1"/>
+              </p:ext>
+            </p:extLst>
+          </p:nvPr>
+        </p:nvCxnSpPr>
+        <p:spPr>
+          <a:xfrm>
+            <a:off x="875145" y="3496322"/>
+            <a:ext cx="0" cy="3352800"/>
+          </a:xfrm>
+          <a:prstGeom prst="line">
+            <a:avLst/>
+          </a:prstGeom>
+          <a:ln w="25400" cap="sq">
+            <a:solidFill>
+              <a:schemeClr val="bg1"/>
+            </a:solidFill>
+            <a:bevel/>
+          </a:ln>
+        </p:spPr>
+        <p:style>
+          <a:lnRef idx="1">
+            <a:schemeClr val="accent1"/>
+          </a:lnRef>
+          <a:fillRef idx="0">
+            <a:schemeClr val="accent1"/>
+          </a:fillRef>
+          <a:effectRef idx="0">
+            <a:schemeClr val="accent1"/>
+          </a:effectRef>
+          <a:fontRef idx="minor">
+            <a:schemeClr val="tx1"/>
+          </a:fontRef>
+        </p:style>
+      </p:cxnSp>
+      <p:pic>
+        <p:nvPicPr>
+          <p:cNvPr id="7" name="Picture 6">
+            <a:extLst>
+              <a:ext uri="{FF2B5EF4-FFF2-40B4-BE49-F238E27FC236}">
+                <a16:creationId xmlns:a16="http://schemas.microsoft.com/office/drawing/2014/main" id="{0D4AFE3F-23D0-C4D9-879E-51BB20162EC7}"/>
+              </a:ext>
+            </a:extLst>
+          </p:cNvPr>
+          <p:cNvPicPr>
+            <a:picLocks noChangeAspect="1"/>
+          </p:cNvPicPr>
+          <p:nvPr/>
+        </p:nvPicPr>
+        <p:blipFill>
+          <a:blip r:embed="rId3"/>
+          <a:stretch>
+            <a:fillRect/>
+          </a:stretch>
+        </p:blipFill>
+        <p:spPr>
+          <a:xfrm>
+            <a:off x="7645832" y="3505200"/>
+            <a:ext cx="4546168" cy="3352800"/>
+          </a:xfrm>
+          <a:prstGeom prst="rect">
+            <a:avLst/>
+          </a:prstGeom>
+        </p:spPr>
+      </p:pic>
+      <p:sp>
+        <p:nvSpPr>
+          <p:cNvPr id="8" name="TextBox 7">
+            <a:extLst>
+              <a:ext uri="{FF2B5EF4-FFF2-40B4-BE49-F238E27FC236}">
+                <a16:creationId xmlns:a16="http://schemas.microsoft.com/office/drawing/2014/main" id="{4716B7C6-6392-E9BF-1A87-F95D3B072DDE}"/>
+              </a:ext>
+            </a:extLst>
+          </p:cNvPr>
+          <p:cNvSpPr txBox="1"/>
+          <p:nvPr/>
+        </p:nvSpPr>
+        <p:spPr>
+          <a:xfrm>
+            <a:off x="962025" y="3118724"/>
+            <a:ext cx="3429000" cy="369332"/>
+          </a:xfrm>
+          <a:prstGeom prst="rect">
+            <a:avLst/>
+          </a:prstGeom>
+          <a:noFill/>
+        </p:spPr>
+        <p:txBody>
+          <a:bodyPr wrap="square" rtlCol="0">
+            <a:spAutoFit/>
+          </a:bodyPr>
+          <a:lstStyle/>
+          <a:p>
+            <a:pPr>
+              <a:spcAft>
+                <a:spcPts val="600"/>
+              </a:spcAft>
+            </a:pPr>
+            <a:r>
+              <a:rPr lang="en-US" dirty="0">
+                <a:hlinkClick r:id="rId4"/>
+              </a:rPr>
+              <a:t>Form Result | </a:t>
+            </a:r>
+            <a:r>
+              <a:rPr lang="en-US" dirty="0" err="1">
+                <a:hlinkClick r:id="rId4"/>
+              </a:rPr>
+              <a:t>forms.app</a:t>
+            </a:r>
+            <a:endParaRPr lang="en-NL" dirty="0"/>
+          </a:p>
+        </p:txBody>
+      </p:sp>
+    </p:spTree>
+    <p:extLst>
+      <p:ext uri="{BB962C8B-B14F-4D97-AF65-F5344CB8AC3E}">
+        <p14:creationId xmlns:p14="http://schemas.microsoft.com/office/powerpoint/2010/main" val="3006437833"/>
+      </p:ext>
+    </p:extLst>
+  </p:cSld>
+  <p:clrMapOvr>
+    <a:masterClrMapping/>
+  </p:clrMapOvr>
+</p:sld>
+</file>
+
+<file path=ppt/slides/slide12.xml><?xml version="1.0" encoding="utf-8"?>
+<p:sld xmlns:a="http://schemas.openxmlformats.org/drawingml/2006/main" xmlns:r="http://schemas.openxmlformats.org/officeDocument/2006/relationships" xmlns:p="http://schemas.openxmlformats.org/presentationml/2006/main">
+  <p:cSld>
     <p:spTree>
       <p:nvGrpSpPr>
         <p:cNvPr id="1" name=""/>
@@ -22757,7 +24429,7 @@
             <a:fld id="{D8DA9DAA-006C-4F4B-980E-E3DF019B24E2}" type="slidenum">
               <a:rPr lang="en-US" smtClean="0"/>
               <a:pPr/>
-              <a:t>11</a:t>
+              <a:t>12</a:t>
             </a:fld>
             <a:endParaRPr lang="en-US" dirty="0"/>
           </a:p>
@@ -28399,6 +30071,24 @@
 </file>
 
 <file path=customXml/item1.xml><?xml version="1.0" encoding="utf-8"?>
+<p:properties xmlns:p="http://schemas.microsoft.com/office/2006/metadata/properties" xmlns:xsi="http://www.w3.org/2001/XMLSchema-instance" xmlns:pc="http://schemas.microsoft.com/office/infopath/2007/PartnerControls">
+  <documentManagement>
+    <Status xmlns="71af3243-3dd4-4a8d-8c0d-dd76da1f02a5">Not started</Status>
+    <MediaServiceKeyPoints xmlns="71af3243-3dd4-4a8d-8c0d-dd76da1f02a5" xsi:nil="true"/>
+  </documentManagement>
+</p:properties>
+</file>
+
+<file path=customXml/item2.xml><?xml version="1.0" encoding="utf-8"?>
+<?mso-contentType ?>
+<FormTemplates xmlns="http://schemas.microsoft.com/sharepoint/v3/contenttype/forms">
+  <Display>DocumentLibraryForm</Display>
+  <Edit>DocumentLibraryForm</Edit>
+  <New>DocumentLibraryForm</New>
+</FormTemplates>
+</file>
+
+<file path=customXml/item3.xml><?xml version="1.0" encoding="utf-8"?>
 <ct:contentTypeSchema xmlns:ct="http://schemas.microsoft.com/office/2006/metadata/contentType" xmlns:ma="http://schemas.microsoft.com/office/2006/metadata/properties/metaAttributes" ct:_="" ma:_="" ma:contentTypeName="Document" ma:contentTypeID="0x01010079F111ED35F8CC479449609E8A0923A6" ma:contentTypeVersion="12" ma:contentTypeDescription="Create a new document." ma:contentTypeScope="" ma:versionID="426e97fa315356fffbdcd9876fe988c2">
   <xsd:schema xmlns:xsd="http://www.w3.org/2001/XMLSchema" xmlns:xs="http://www.w3.org/2001/XMLSchema" xmlns:p="http://schemas.microsoft.com/office/2006/metadata/properties" xmlns:ns2="71af3243-3dd4-4a8d-8c0d-dd76da1f02a5" xmlns:ns3="16c05727-aa75-4e4a-9b5f-8a80a1165891" targetNamespace="http://schemas.microsoft.com/office/2006/metadata/properties" ma:root="true" ma:fieldsID="14b8f0def80e6d70ce3def20c90759ae" ns2:_="" ns3:_="">
     <xsd:import namespace="71af3243-3dd4-4a8d-8c0d-dd76da1f02a5"/>
@@ -28619,25 +30309,25 @@
 </ct:contentTypeSchema>
 </file>
 
-<file path=customXml/item2.xml><?xml version="1.0" encoding="utf-8"?>
-<?mso-contentType ?>
-<FormTemplates xmlns="http://schemas.microsoft.com/sharepoint/v3/contenttype/forms">
-  <Display>DocumentLibraryForm</Display>
-  <Edit>DocumentLibraryForm</Edit>
-  <New>DocumentLibraryForm</New>
-</FormTemplates>
+<file path=customXml/itemProps1.xml><?xml version="1.0" encoding="utf-8"?>
+<ds:datastoreItem xmlns:ds="http://schemas.openxmlformats.org/officeDocument/2006/customXml" ds:itemID="{99919F73-B6C2-4A43-95E2-833EC48925FE}">
+  <ds:schemaRefs>
+    <ds:schemaRef ds:uri="http://schemas.microsoft.com/office/2006/metadata/properties"/>
+    <ds:schemaRef ds:uri="http://schemas.microsoft.com/office/infopath/2007/PartnerControls"/>
+    <ds:schemaRef ds:uri="71af3243-3dd4-4a8d-8c0d-dd76da1f02a5"/>
+  </ds:schemaRefs>
+</ds:datastoreItem>
 </file>
 
-<file path=customXml/item3.xml><?xml version="1.0" encoding="utf-8"?>
-<p:properties xmlns:p="http://schemas.microsoft.com/office/2006/metadata/properties" xmlns:xsi="http://www.w3.org/2001/XMLSchema-instance" xmlns:pc="http://schemas.microsoft.com/office/infopath/2007/PartnerControls">
-  <documentManagement>
-    <Status xmlns="71af3243-3dd4-4a8d-8c0d-dd76da1f02a5">Not started</Status>
-    <MediaServiceKeyPoints xmlns="71af3243-3dd4-4a8d-8c0d-dd76da1f02a5" xsi:nil="true"/>
-  </documentManagement>
-</p:properties>
+<file path=customXml/itemProps2.xml><?xml version="1.0" encoding="utf-8"?>
+<ds:datastoreItem xmlns:ds="http://schemas.openxmlformats.org/officeDocument/2006/customXml" ds:itemID="{3C8E00D1-8EA3-4E42-801D-0253E1EAFC21}">
+  <ds:schemaRefs>
+    <ds:schemaRef ds:uri="http://schemas.microsoft.com/sharepoint/v3/contenttype/forms"/>
+  </ds:schemaRefs>
+</ds:datastoreItem>
 </file>
 
-<file path=customXml/itemProps1.xml><?xml version="1.0" encoding="utf-8"?>
+<file path=customXml/itemProps3.xml><?xml version="1.0" encoding="utf-8"?>
 <ds:datastoreItem xmlns:ds="http://schemas.openxmlformats.org/officeDocument/2006/customXml" ds:itemID="{ABC329F5-30EE-4BF7-AA2A-B837B51416B4}">
   <ds:schemaRefs>
     <ds:schemaRef ds:uri="http://schemas.microsoft.com/office/2006/metadata/contentType"/>
@@ -28654,22 +30344,4 @@
     <ds:schemaRef ds:uri="http://schemas.microsoft.com/internal/obd"/>
   </ds:schemaRefs>
 </ds:datastoreItem>
-</file>
-
-<file path=customXml/itemProps2.xml><?xml version="1.0" encoding="utf-8"?>
-<ds:datastoreItem xmlns:ds="http://schemas.openxmlformats.org/officeDocument/2006/customXml" ds:itemID="{3C8E00D1-8EA3-4E42-801D-0253E1EAFC21}">
-  <ds:schemaRefs>
-    <ds:schemaRef ds:uri="http://schemas.microsoft.com/sharepoint/v3/contenttype/forms"/>
-  </ds:schemaRefs>
-</ds:datastoreItem>
-</file>
-
-<file path=customXml/itemProps3.xml><?xml version="1.0" encoding="utf-8"?>
-<ds:datastoreItem xmlns:ds="http://schemas.openxmlformats.org/officeDocument/2006/customXml" ds:itemID="{99919F73-B6C2-4A43-95E2-833EC48925FE}">
-  <ds:schemaRefs>
-    <ds:schemaRef ds:uri="http://schemas.microsoft.com/office/2006/metadata/properties"/>
-    <ds:schemaRef ds:uri="http://schemas.microsoft.com/office/infopath/2007/PartnerControls"/>
-    <ds:schemaRef ds:uri="71af3243-3dd4-4a8d-8c0d-dd76da1f02a5"/>
-  </ds:schemaRefs>
-</ds:datastoreItem>
 </file>
--- a/Deliverables/Pronunciation_Trainer.pptx
+++ b/Deliverables/Pronunciation_Trainer.pptx
@@ -5,7 +5,7 @@
     <p:sldMasterId id="2147483696" r:id="rId4"/>
   </p:sldMasterIdLst>
   <p:notesMasterIdLst>
-    <p:notesMasterId r:id="rId17"/>
+    <p:notesMasterId r:id="rId18"/>
   </p:notesMasterIdLst>
   <p:sldIdLst>
     <p:sldId id="306" r:id="rId5"/>
@@ -19,7 +19,8 @@
     <p:sldId id="305" r:id="rId13"/>
     <p:sldId id="311" r:id="rId14"/>
     <p:sldId id="314" r:id="rId15"/>
-    <p:sldId id="312" r:id="rId16"/>
+    <p:sldId id="315" r:id="rId16"/>
+    <p:sldId id="312" r:id="rId17"/>
   </p:sldIdLst>
   <p:sldSz cx="12192000" cy="6858000"/>
   <p:notesSz cx="6858000" cy="9144000"/>
@@ -10838,7 +10839,7 @@
           <a:p>
             <a:fld id="{5EA28068-AFBD-4979-B752-9EB6F90B1386}" type="datetimeFigureOut">
               <a:rPr lang="en-US" smtClean="0"/>
-              <a:t>6/28/2023</a:t>
+              <a:t>7/2/2023</a:t>
             </a:fld>
             <a:endParaRPr lang="en-US" dirty="0"/>
           </a:p>
@@ -21816,10 +21817,10 @@
       </p:grpSpPr>
       <p:sp useBgFill="1">
         <p:nvSpPr>
-          <p:cNvPr id="9" name="Rectangle 8">
+          <p:cNvPr id="24" name="Rectangle 23">
             <a:extLst>
               <a:ext uri="{FF2B5EF4-FFF2-40B4-BE49-F238E27FC236}">
-                <a16:creationId xmlns:a16="http://schemas.microsoft.com/office/drawing/2014/main" id="{C17278C5-34E8-4293-BE47-73B18483AF7B}"/>
+                <a16:creationId xmlns:a16="http://schemas.microsoft.com/office/drawing/2014/main" id="{0671A8AE-40A1-4631-A6B8-581AFF065482}"/>
               </a:ext>
               <a:ext uri="{C183D7F6-B498-43B3-948B-1728B52AA6E4}">
                 <adec:decorative xmlns:adec="http://schemas.microsoft.com/office/drawing/2017/decorative" val="1"/>
@@ -21845,25 +21846,9 @@
           <a:prstGeom prst="rect">
             <a:avLst/>
           </a:prstGeom>
-          <a:ln w="12700" cap="flat" cmpd="sng" algn="ctr">
+          <a:ln>
             <a:noFill/>
-            <a:prstDash val="solid"/>
-            <a:miter lim="800000"/>
           </a:ln>
-          <a:effectLst/>
-          <a:extLst>
-            <a:ext uri="{91240B29-F687-4F45-9708-019B960494DF}">
-              <a14:hiddenLine xmlns:a14="http://schemas.microsoft.com/office/drawing/2010/main" w="12700" cap="flat" cmpd="sng" algn="ctr">
-                <a:solidFill>
-                  <a:schemeClr val="accent1">
-                    <a:shade val="50000"/>
-                  </a:schemeClr>
-                </a:solidFill>
-                <a:prstDash val="solid"/>
-                <a:miter lim="800000"/>
-              </a14:hiddenLine>
-            </a:ext>
-          </a:extLst>
         </p:spPr>
         <p:style>
           <a:lnRef idx="2">
@@ -21890,12 +21875,41 @@
           </a:p>
         </p:txBody>
       </p:sp>
+      <p:pic>
+        <p:nvPicPr>
+          <p:cNvPr id="5" name="Picture 4">
+            <a:extLst>
+              <a:ext uri="{FF2B5EF4-FFF2-40B4-BE49-F238E27FC236}">
+                <a16:creationId xmlns:a16="http://schemas.microsoft.com/office/drawing/2014/main" id="{88C7F9F3-7F8F-BC0B-3F2C-33442427E83A}"/>
+              </a:ext>
+            </a:extLst>
+          </p:cNvPr>
+          <p:cNvPicPr>
+            <a:picLocks noChangeAspect="1"/>
+          </p:cNvPicPr>
+          <p:nvPr/>
+        </p:nvPicPr>
+        <p:blipFill rotWithShape="1">
+          <a:blip r:embed="rId2"/>
+          <a:srcRect t="23986"/>
+          <a:stretch/>
+        </p:blipFill>
+        <p:spPr>
+          <a:xfrm>
+            <a:off x="0" y="-129299"/>
+            <a:ext cx="12191980" cy="6857990"/>
+          </a:xfrm>
+          <a:prstGeom prst="rect">
+            <a:avLst/>
+          </a:prstGeom>
+        </p:spPr>
+      </p:pic>
       <p:sp>
         <p:nvSpPr>
-          <p:cNvPr id="11" name="!!Rectangle">
+          <p:cNvPr id="26" name="Rectangle 25">
             <a:extLst>
               <a:ext uri="{FF2B5EF4-FFF2-40B4-BE49-F238E27FC236}">
-                <a16:creationId xmlns:a16="http://schemas.microsoft.com/office/drawing/2014/main" id="{9A3F5928-D955-456A-97B5-AA390B8CE9D5}"/>
+                <a16:creationId xmlns:a16="http://schemas.microsoft.com/office/drawing/2014/main" id="{A44CD100-6267-4E62-AA64-2182A3A6A1C0}"/>
               </a:ext>
               <a:ext uri="{C183D7F6-B498-43B3-948B-1728B52AA6E4}">
                 <adec:decorative xmlns:adec="http://schemas.microsoft.com/office/drawing/2017/decorative" val="1"/>
@@ -21915,23 +21929,36 @@
         </p:nvSpPr>
         <p:spPr>
           <a:xfrm>
-            <a:off x="0" y="0"/>
-            <a:ext cx="12192000" cy="6858000"/>
+            <a:off x="3" y="0"/>
+            <a:ext cx="9339206" cy="6858000"/>
           </a:xfrm>
           <a:prstGeom prst="rect">
             <a:avLst/>
           </a:prstGeom>
-          <a:gradFill flip="none" rotWithShape="1">
+          <a:gradFill>
             <a:gsLst>
-              <a:gs pos="100000">
-                <a:schemeClr val="accent4"/>
+              <a:gs pos="58000">
+                <a:schemeClr val="bg1">
+                  <a:alpha val="30000"/>
+                </a:schemeClr>
+              </a:gs>
+              <a:gs pos="33000">
+                <a:schemeClr val="bg1">
+                  <a:alpha val="20000"/>
+                </a:schemeClr>
               </a:gs>
               <a:gs pos="0">
-                <a:schemeClr val="accent2"/>
+                <a:schemeClr val="bg1">
+                  <a:alpha val="0"/>
+                </a:schemeClr>
+              </a:gs>
+              <a:gs pos="100000">
+                <a:schemeClr val="bg1">
+                  <a:alpha val="30000"/>
+                </a:schemeClr>
               </a:gs>
             </a:gsLst>
-            <a:lin ang="18900000" scaled="1"/>
-            <a:tileRect/>
+            <a:lin ang="10800000" scaled="0"/>
           </a:gradFill>
           <a:ln>
             <a:noFill/>
@@ -21957,78 +21984,11 @@
           <a:bodyPr rtlCol="0" anchor="ctr"/>
           <a:lstStyle/>
           <a:p>
-            <a:pPr marL="0" marR="0" lvl="0" indent="0" algn="ctr" defTabSz="914400" rtl="0" eaLnBrk="1" fontAlgn="auto" latinLnBrk="0" hangingPunct="1">
-              <a:lnSpc>
-                <a:spcPct val="100000"/>
-              </a:lnSpc>
-              <a:spcBef>
-                <a:spcPts val="0"/>
-              </a:spcBef>
-              <a:spcAft>
-                <a:spcPts val="0"/>
-              </a:spcAft>
-              <a:buClrTx/>
-              <a:buSzTx/>
-              <a:buFontTx/>
-              <a:buNone/>
-              <a:tabLst/>
-              <a:defRPr/>
-            </a:pPr>
-            <a:endParaRPr kumimoji="0" lang="en-US" sz="1800" b="0" i="0" u="none" strike="noStrike" kern="1200" cap="none" spc="0" normalizeH="0" baseline="0" noProof="0">
-              <a:ln>
-                <a:noFill/>
-              </a:ln>
-              <a:solidFill>
-                <a:prstClr val="white"/>
-              </a:solidFill>
-              <a:effectLst/>
-              <a:uLnTx/>
-              <a:uFillTx/>
-              <a:latin typeface="Univers"/>
-              <a:ea typeface="+mn-ea"/>
-              <a:cs typeface="+mn-cs"/>
-            </a:endParaRPr>
+            <a:pPr algn="ctr"/>
+            <a:endParaRPr lang="en-US" dirty="0"/>
           </a:p>
         </p:txBody>
       </p:sp>
-      <p:pic>
-        <p:nvPicPr>
-          <p:cNvPr id="5" name="Picture 4">
-            <a:extLst>
-              <a:ext uri="{FF2B5EF4-FFF2-40B4-BE49-F238E27FC236}">
-                <a16:creationId xmlns:a16="http://schemas.microsoft.com/office/drawing/2014/main" id="{88C7F9F3-7F8F-BC0B-3F2C-33442427E83A}"/>
-              </a:ext>
-            </a:extLst>
-          </p:cNvPr>
-          <p:cNvPicPr>
-            <a:picLocks noChangeAspect="1"/>
-          </p:cNvPicPr>
-          <p:nvPr/>
-        </p:nvPicPr>
-        <p:blipFill rotWithShape="1">
-          <a:blip r:embed="rId2">
-            <a:duotone>
-              <a:schemeClr val="accent1">
-                <a:shade val="45000"/>
-                <a:satMod val="135000"/>
-              </a:schemeClr>
-              <a:prstClr val="white"/>
-            </a:duotone>
-            <a:alphaModFix amt="35000"/>
-          </a:blip>
-          <a:srcRect t="23986"/>
-          <a:stretch/>
-        </p:blipFill>
-        <p:spPr>
-          <a:xfrm>
-            <a:off x="20" y="-8877"/>
-            <a:ext cx="12191980" cy="6858000"/>
-          </a:xfrm>
-          <a:prstGeom prst="rect">
-            <a:avLst/>
-          </a:prstGeom>
-        </p:spPr>
-      </p:pic>
       <p:sp>
         <p:nvSpPr>
           <p:cNvPr id="2" name="Title 1">
@@ -22047,8 +22007,8 @@
         </p:nvSpPr>
         <p:spPr>
           <a:xfrm>
-            <a:off x="1256275" y="2271449"/>
-            <a:ext cx="9679449" cy="2847058"/>
+            <a:off x="477981" y="1122362"/>
+            <a:ext cx="4023360" cy="2802219"/>
           </a:xfrm>
         </p:spPr>
         <p:txBody>
@@ -22058,18 +22018,10 @@
           <a:lstStyle/>
           <a:p>
             <a:r>
-              <a:rPr lang="en-US" sz="7200" spc="400" dirty="0">
-                <a:solidFill>
-                  <a:srgbClr val="FFFFFF"/>
-                </a:solidFill>
-              </a:rPr>
+              <a:rPr lang="en-US" sz="2600" spc="400"/>
               <a:t>Pronunciation Trainer </a:t>
             </a:r>
-            <a:endParaRPr lang="en-US" sz="7200" dirty="0">
-              <a:solidFill>
-                <a:srgbClr val="FFFFFF"/>
-              </a:solidFill>
-            </a:endParaRPr>
+            <a:endParaRPr lang="en-US" sz="2600"/>
           </a:p>
         </p:txBody>
       </p:sp>
@@ -22091,649 +22043,25 @@
         </p:nvSpPr>
         <p:spPr>
           <a:xfrm>
-            <a:off x="1256275" y="5098254"/>
-            <a:ext cx="9679449" cy="750259"/>
+            <a:off x="477980" y="4065146"/>
+            <a:ext cx="4023359" cy="1208141"/>
           </a:xfrm>
         </p:spPr>
         <p:txBody>
-          <a:bodyPr anchor="ctr">
+          <a:bodyPr>
             <a:normAutofit/>
           </a:bodyPr>
           <a:lstStyle/>
           <a:p>
             <a:pPr algn="l"/>
             <a:r>
-              <a:rPr lang="en-US">
-                <a:solidFill>
-                  <a:srgbClr val="FFFFFF"/>
-                </a:solidFill>
-              </a:rPr>
+              <a:rPr lang="en-US"/>
               <a:t>Lokesh Agnihotri</a:t>
             </a:r>
           </a:p>
           <a:p>
             <a:pPr algn="l"/>
-            <a:endParaRPr lang="en-US">
-              <a:solidFill>
-                <a:srgbClr val="FFFFFF"/>
-              </a:solidFill>
-            </a:endParaRPr>
-          </a:p>
-        </p:txBody>
-      </p:sp>
-      <p:cxnSp>
-        <p:nvCxnSpPr>
-          <p:cNvPr id="13" name="Straight Connector 12">
-            <a:extLst>
-              <a:ext uri="{FF2B5EF4-FFF2-40B4-BE49-F238E27FC236}">
-                <a16:creationId xmlns:a16="http://schemas.microsoft.com/office/drawing/2014/main" id="{56020367-4FD5-4596-8E10-C5F095CD8DBF}"/>
-              </a:ext>
-              <a:ext uri="{C183D7F6-B498-43B3-948B-1728B52AA6E4}">
-                <adec:decorative xmlns:adec="http://schemas.microsoft.com/office/drawing/2017/decorative" val="1"/>
-              </a:ext>
-            </a:extLst>
-          </p:cNvPr>
-          <p:cNvCxnSpPr>
-            <a:cxnSpLocks noGrp="1" noRot="1" noChangeAspect="1" noMove="1" noResize="1" noEditPoints="1" noAdjustHandles="1" noChangeArrowheads="1" noChangeShapeType="1"/>
-          </p:cNvCxnSpPr>
-          <p:nvPr>
-            <p:extLst>
-              <p:ext uri="{386F3935-93C4-4BCD-93E2-E3B085C9AB24}">
-                <p16:designElem xmlns:p16="http://schemas.microsoft.com/office/powerpoint/2015/main" val="1"/>
-              </p:ext>
-            </p:extLst>
-          </p:nvPr>
-        </p:nvCxnSpPr>
-        <p:spPr>
-          <a:xfrm>
-            <a:off x="8878" y="806470"/>
-            <a:ext cx="8453437" cy="0"/>
-          </a:xfrm>
-          <a:prstGeom prst="line">
-            <a:avLst/>
-          </a:prstGeom>
-          <a:ln w="25400" cap="sq">
-            <a:solidFill>
-              <a:srgbClr val="FFFFFF"/>
-            </a:solidFill>
-            <a:bevel/>
-          </a:ln>
-        </p:spPr>
-        <p:style>
-          <a:lnRef idx="1">
-            <a:schemeClr val="accent1"/>
-          </a:lnRef>
-          <a:fillRef idx="0">
-            <a:schemeClr val="accent1"/>
-          </a:fillRef>
-          <a:effectRef idx="0">
-            <a:schemeClr val="accent1"/>
-          </a:effectRef>
-          <a:fontRef idx="minor">
-            <a:schemeClr val="tx1"/>
-          </a:fontRef>
-        </p:style>
-      </p:cxnSp>
-      <p:sp>
-        <p:nvSpPr>
-          <p:cNvPr id="15" name="Graphic 13">
-            <a:extLst>
-              <a:ext uri="{FF2B5EF4-FFF2-40B4-BE49-F238E27FC236}">
-                <a16:creationId xmlns:a16="http://schemas.microsoft.com/office/drawing/2014/main" id="{C5CB530E-515E-412C-9DF1-5F8FFBD6F383}"/>
-              </a:ext>
-              <a:ext uri="{C183D7F6-B498-43B3-948B-1728B52AA6E4}">
-                <adec:decorative xmlns:adec="http://schemas.microsoft.com/office/drawing/2017/decorative" val="1"/>
-              </a:ext>
-            </a:extLst>
-          </p:cNvPr>
-          <p:cNvSpPr>
-            <a:spLocks noGrp="1" noRot="1" noChangeAspect="1" noMove="1" noResize="1" noEditPoints="1" noAdjustHandles="1" noChangeArrowheads="1" noChangeShapeType="1" noTextEdit="1"/>
-          </p:cNvSpPr>
-          <p:nvPr>
-            <p:extLst>
-              <p:ext uri="{386F3935-93C4-4BCD-93E2-E3B085C9AB24}">
-                <p16:designElem xmlns:p16="http://schemas.microsoft.com/office/powerpoint/2015/main" val="1"/>
-              </p:ext>
-            </p:extLst>
-          </p:nvPr>
-        </p:nvSpPr>
-        <p:spPr>
-          <a:xfrm>
-            <a:off x="544954" y="2875093"/>
-            <a:ext cx="139039" cy="139039"/>
-          </a:xfrm>
-          <a:custGeom>
-            <a:avLst/>
-            <a:gdLst>
-              <a:gd name="connsiteX0" fmla="*/ 129602 w 139039"/>
-              <a:gd name="connsiteY0" fmla="*/ 60082 h 139039"/>
-              <a:gd name="connsiteX1" fmla="*/ 78957 w 139039"/>
-              <a:gd name="connsiteY1" fmla="*/ 60082 h 139039"/>
-              <a:gd name="connsiteX2" fmla="*/ 78957 w 139039"/>
-              <a:gd name="connsiteY2" fmla="*/ 9437 h 139039"/>
-              <a:gd name="connsiteX3" fmla="*/ 69520 w 139039"/>
-              <a:gd name="connsiteY3" fmla="*/ 0 h 139039"/>
-              <a:gd name="connsiteX4" fmla="*/ 60082 w 139039"/>
-              <a:gd name="connsiteY4" fmla="*/ 9437 h 139039"/>
-              <a:gd name="connsiteX5" fmla="*/ 60082 w 139039"/>
-              <a:gd name="connsiteY5" fmla="*/ 60082 h 139039"/>
-              <a:gd name="connsiteX6" fmla="*/ 9437 w 139039"/>
-              <a:gd name="connsiteY6" fmla="*/ 60082 h 139039"/>
-              <a:gd name="connsiteX7" fmla="*/ 0 w 139039"/>
-              <a:gd name="connsiteY7" fmla="*/ 69520 h 139039"/>
-              <a:gd name="connsiteX8" fmla="*/ 9437 w 139039"/>
-              <a:gd name="connsiteY8" fmla="*/ 78957 h 139039"/>
-              <a:gd name="connsiteX9" fmla="*/ 60082 w 139039"/>
-              <a:gd name="connsiteY9" fmla="*/ 78957 h 139039"/>
-              <a:gd name="connsiteX10" fmla="*/ 60082 w 139039"/>
-              <a:gd name="connsiteY10" fmla="*/ 129602 h 139039"/>
-              <a:gd name="connsiteX11" fmla="*/ 69520 w 139039"/>
-              <a:gd name="connsiteY11" fmla="*/ 139039 h 139039"/>
-              <a:gd name="connsiteX12" fmla="*/ 78957 w 139039"/>
-              <a:gd name="connsiteY12" fmla="*/ 129602 h 139039"/>
-              <a:gd name="connsiteX13" fmla="*/ 78957 w 139039"/>
-              <a:gd name="connsiteY13" fmla="*/ 78957 h 139039"/>
-              <a:gd name="connsiteX14" fmla="*/ 129602 w 139039"/>
-              <a:gd name="connsiteY14" fmla="*/ 78957 h 139039"/>
-              <a:gd name="connsiteX15" fmla="*/ 139039 w 139039"/>
-              <a:gd name="connsiteY15" fmla="*/ 69520 h 139039"/>
-              <a:gd name="connsiteX16" fmla="*/ 129602 w 139039"/>
-              <a:gd name="connsiteY16" fmla="*/ 60082 h 139039"/>
-            </a:gdLst>
-            <a:ahLst/>
-            <a:cxnLst>
-              <a:cxn ang="0">
-                <a:pos x="connsiteX0" y="connsiteY0"/>
-              </a:cxn>
-              <a:cxn ang="0">
-                <a:pos x="connsiteX1" y="connsiteY1"/>
-              </a:cxn>
-              <a:cxn ang="0">
-                <a:pos x="connsiteX2" y="connsiteY2"/>
-              </a:cxn>
-              <a:cxn ang="0">
-                <a:pos x="connsiteX3" y="connsiteY3"/>
-              </a:cxn>
-              <a:cxn ang="0">
-                <a:pos x="connsiteX4" y="connsiteY4"/>
-              </a:cxn>
-              <a:cxn ang="0">
-                <a:pos x="connsiteX5" y="connsiteY5"/>
-              </a:cxn>
-              <a:cxn ang="0">
-                <a:pos x="connsiteX6" y="connsiteY6"/>
-              </a:cxn>
-              <a:cxn ang="0">
-                <a:pos x="connsiteX7" y="connsiteY7"/>
-              </a:cxn>
-              <a:cxn ang="0">
-                <a:pos x="connsiteX8" y="connsiteY8"/>
-              </a:cxn>
-              <a:cxn ang="0">
-                <a:pos x="connsiteX9" y="connsiteY9"/>
-              </a:cxn>
-              <a:cxn ang="0">
-                <a:pos x="connsiteX10" y="connsiteY10"/>
-              </a:cxn>
-              <a:cxn ang="0">
-                <a:pos x="connsiteX11" y="connsiteY11"/>
-              </a:cxn>
-              <a:cxn ang="0">
-                <a:pos x="connsiteX12" y="connsiteY12"/>
-              </a:cxn>
-              <a:cxn ang="0">
-                <a:pos x="connsiteX13" y="connsiteY13"/>
-              </a:cxn>
-              <a:cxn ang="0">
-                <a:pos x="connsiteX14" y="connsiteY14"/>
-              </a:cxn>
-              <a:cxn ang="0">
-                <a:pos x="connsiteX15" y="connsiteY15"/>
-              </a:cxn>
-              <a:cxn ang="0">
-                <a:pos x="connsiteX16" y="connsiteY16"/>
-              </a:cxn>
-            </a:cxnLst>
-            <a:rect l="l" t="t" r="r" b="b"/>
-            <a:pathLst>
-              <a:path w="139039" h="139039">
-                <a:moveTo>
-                  <a:pt x="129602" y="60082"/>
-                </a:moveTo>
-                <a:lnTo>
-                  <a:pt x="78957" y="60082"/>
-                </a:lnTo>
-                <a:lnTo>
-                  <a:pt x="78957" y="9437"/>
-                </a:lnTo>
-                <a:cubicBezTo>
-                  <a:pt x="78957" y="4225"/>
-                  <a:pt x="74731" y="0"/>
-                  <a:pt x="69520" y="0"/>
-                </a:cubicBezTo>
-                <a:cubicBezTo>
-                  <a:pt x="64308" y="0"/>
-                  <a:pt x="60082" y="4225"/>
-                  <a:pt x="60082" y="9437"/>
-                </a:cubicBezTo>
-                <a:lnTo>
-                  <a:pt x="60082" y="60082"/>
-                </a:lnTo>
-                <a:lnTo>
-                  <a:pt x="9437" y="60082"/>
-                </a:lnTo>
-                <a:cubicBezTo>
-                  <a:pt x="4225" y="60082"/>
-                  <a:pt x="0" y="64308"/>
-                  <a:pt x="0" y="69520"/>
-                </a:cubicBezTo>
-                <a:cubicBezTo>
-                  <a:pt x="0" y="74731"/>
-                  <a:pt x="4225" y="78957"/>
-                  <a:pt x="9437" y="78957"/>
-                </a:cubicBezTo>
-                <a:lnTo>
-                  <a:pt x="60082" y="78957"/>
-                </a:lnTo>
-                <a:lnTo>
-                  <a:pt x="60082" y="129602"/>
-                </a:lnTo>
-                <a:cubicBezTo>
-                  <a:pt x="60082" y="134814"/>
-                  <a:pt x="64308" y="139039"/>
-                  <a:pt x="69520" y="139039"/>
-                </a:cubicBezTo>
-                <a:cubicBezTo>
-                  <a:pt x="74731" y="139039"/>
-                  <a:pt x="78957" y="134814"/>
-                  <a:pt x="78957" y="129602"/>
-                </a:cubicBezTo>
-                <a:lnTo>
-                  <a:pt x="78957" y="78957"/>
-                </a:lnTo>
-                <a:lnTo>
-                  <a:pt x="129602" y="78957"/>
-                </a:lnTo>
-                <a:cubicBezTo>
-                  <a:pt x="134814" y="78957"/>
-                  <a:pt x="139039" y="74731"/>
-                  <a:pt x="139039" y="69520"/>
-                </a:cubicBezTo>
-                <a:cubicBezTo>
-                  <a:pt x="139039" y="64308"/>
-                  <a:pt x="134814" y="60082"/>
-                  <a:pt x="129602" y="60082"/>
-                </a:cubicBezTo>
-                <a:close/>
-              </a:path>
-            </a:pathLst>
-          </a:custGeom>
-          <a:solidFill>
-            <a:srgbClr val="FFFFFF"/>
-          </a:solidFill>
-          <a:ln w="603" cap="flat">
-            <a:noFill/>
-            <a:prstDash val="solid"/>
-            <a:miter/>
-          </a:ln>
-        </p:spPr>
-        <p:txBody>
-          <a:bodyPr rtlCol="0" anchor="ctr"/>
-          <a:lstStyle/>
-          <a:p>
-            <a:pPr marL="0" marR="0" lvl="0" indent="0" algn="l" defTabSz="914400" rtl="0" eaLnBrk="1" fontAlgn="auto" latinLnBrk="0" hangingPunct="1">
-              <a:lnSpc>
-                <a:spcPct val="100000"/>
-              </a:lnSpc>
-              <a:spcBef>
-                <a:spcPts val="0"/>
-              </a:spcBef>
-              <a:spcAft>
-                <a:spcPts val="0"/>
-              </a:spcAft>
-              <a:buClrTx/>
-              <a:buSzTx/>
-              <a:buFontTx/>
-              <a:buNone/>
-              <a:tabLst/>
-              <a:defRPr/>
-            </a:pPr>
-            <a:endParaRPr kumimoji="0" lang="en-US" sz="1800" b="0" i="0" u="none" strike="noStrike" kern="1200" cap="none" spc="0" normalizeH="0" baseline="0" noProof="0">
-              <a:ln>
-                <a:noFill/>
-              </a:ln>
-              <a:solidFill>
-                <a:prstClr val="black"/>
-              </a:solidFill>
-              <a:effectLst/>
-              <a:uLnTx/>
-              <a:uFillTx/>
-              <a:latin typeface="Univers"/>
-              <a:ea typeface="+mn-ea"/>
-              <a:cs typeface="+mn-cs"/>
-            </a:endParaRPr>
-          </a:p>
-        </p:txBody>
-      </p:sp>
-      <p:sp>
-        <p:nvSpPr>
-          <p:cNvPr id="17" name="Graphic 12">
-            <a:extLst>
-              <a:ext uri="{FF2B5EF4-FFF2-40B4-BE49-F238E27FC236}">
-                <a16:creationId xmlns:a16="http://schemas.microsoft.com/office/drawing/2014/main" id="{712D4376-A578-4FF1-94FC-245E7A6A489F}"/>
-              </a:ext>
-              <a:ext uri="{C183D7F6-B498-43B3-948B-1728B52AA6E4}">
-                <adec:decorative xmlns:adec="http://schemas.microsoft.com/office/drawing/2017/decorative" val="1"/>
-              </a:ext>
-            </a:extLst>
-          </p:cNvPr>
-          <p:cNvSpPr>
-            <a:spLocks noGrp="1" noRot="1" noChangeAspect="1" noMove="1" noResize="1" noEditPoints="1" noAdjustHandles="1" noChangeArrowheads="1" noChangeShapeType="1" noTextEdit="1"/>
-          </p:cNvSpPr>
-          <p:nvPr>
-            <p:extLst>
-              <p:ext uri="{386F3935-93C4-4BCD-93E2-E3B085C9AB24}">
-                <p16:designElem xmlns:p16="http://schemas.microsoft.com/office/powerpoint/2015/main" val="1"/>
-              </p:ext>
-            </p:extLst>
-          </p:nvPr>
-        </p:nvSpPr>
-        <p:spPr>
-          <a:xfrm>
-            <a:off x="903734" y="3104388"/>
-            <a:ext cx="91138" cy="91138"/>
-          </a:xfrm>
-          <a:custGeom>
-            <a:avLst/>
-            <a:gdLst>
-              <a:gd name="connsiteX0" fmla="*/ 91138 w 91138"/>
-              <a:gd name="connsiteY0" fmla="*/ 45569 h 91138"/>
-              <a:gd name="connsiteX1" fmla="*/ 45569 w 91138"/>
-              <a:gd name="connsiteY1" fmla="*/ 91138 h 91138"/>
-              <a:gd name="connsiteX2" fmla="*/ 0 w 91138"/>
-              <a:gd name="connsiteY2" fmla="*/ 45569 h 91138"/>
-              <a:gd name="connsiteX3" fmla="*/ 45569 w 91138"/>
-              <a:gd name="connsiteY3" fmla="*/ 0 h 91138"/>
-              <a:gd name="connsiteX4" fmla="*/ 91138 w 91138"/>
-              <a:gd name="connsiteY4" fmla="*/ 45569 h 91138"/>
-            </a:gdLst>
-            <a:ahLst/>
-            <a:cxnLst>
-              <a:cxn ang="0">
-                <a:pos x="connsiteX0" y="connsiteY0"/>
-              </a:cxn>
-              <a:cxn ang="0">
-                <a:pos x="connsiteX1" y="connsiteY1"/>
-              </a:cxn>
-              <a:cxn ang="0">
-                <a:pos x="connsiteX2" y="connsiteY2"/>
-              </a:cxn>
-              <a:cxn ang="0">
-                <a:pos x="connsiteX3" y="connsiteY3"/>
-              </a:cxn>
-              <a:cxn ang="0">
-                <a:pos x="connsiteX4" y="connsiteY4"/>
-              </a:cxn>
-            </a:cxnLst>
-            <a:rect l="l" t="t" r="r" b="b"/>
-            <a:pathLst>
-              <a:path w="91138" h="91138">
-                <a:moveTo>
-                  <a:pt x="91138" y="45569"/>
-                </a:moveTo>
-                <a:cubicBezTo>
-                  <a:pt x="91138" y="70736"/>
-                  <a:pt x="70736" y="91138"/>
-                  <a:pt x="45569" y="91138"/>
-                </a:cubicBezTo>
-                <a:cubicBezTo>
-                  <a:pt x="20402" y="91138"/>
-                  <a:pt x="0" y="70736"/>
-                  <a:pt x="0" y="45569"/>
-                </a:cubicBezTo>
-                <a:cubicBezTo>
-                  <a:pt x="0" y="20402"/>
-                  <a:pt x="20402" y="0"/>
-                  <a:pt x="45569" y="0"/>
-                </a:cubicBezTo>
-                <a:cubicBezTo>
-                  <a:pt x="70736" y="0"/>
-                  <a:pt x="91138" y="20402"/>
-                  <a:pt x="91138" y="45569"/>
-                </a:cubicBezTo>
-                <a:close/>
-              </a:path>
-            </a:pathLst>
-          </a:custGeom>
-          <a:solidFill>
-            <a:srgbClr val="FFFFFF"/>
-          </a:solidFill>
-          <a:ln w="422" cap="flat">
-            <a:noFill/>
-            <a:prstDash val="solid"/>
-            <a:miter/>
-          </a:ln>
-        </p:spPr>
-        <p:txBody>
-          <a:bodyPr rtlCol="0" anchor="ctr"/>
-          <a:lstStyle/>
-          <a:p>
-            <a:pPr marL="0" marR="0" lvl="0" indent="0" algn="l" defTabSz="914400" rtl="0" eaLnBrk="1" fontAlgn="auto" latinLnBrk="0" hangingPunct="1">
-              <a:lnSpc>
-                <a:spcPct val="100000"/>
-              </a:lnSpc>
-              <a:spcBef>
-                <a:spcPts val="0"/>
-              </a:spcBef>
-              <a:spcAft>
-                <a:spcPts val="0"/>
-              </a:spcAft>
-              <a:buClrTx/>
-              <a:buSzTx/>
-              <a:buFontTx/>
-              <a:buNone/>
-              <a:tabLst/>
-              <a:defRPr/>
-            </a:pPr>
-            <a:endParaRPr kumimoji="0" lang="en-US" sz="1800" b="0" i="0" u="none" strike="noStrike" kern="1200" cap="none" spc="0" normalizeH="0" baseline="0" noProof="0">
-              <a:ln>
-                <a:noFill/>
-              </a:ln>
-              <a:solidFill>
-                <a:prstClr val="black"/>
-              </a:solidFill>
-              <a:effectLst/>
-              <a:uLnTx/>
-              <a:uFillTx/>
-              <a:latin typeface="Univers"/>
-              <a:ea typeface="+mn-ea"/>
-              <a:cs typeface="+mn-cs"/>
-            </a:endParaRPr>
-          </a:p>
-        </p:txBody>
-      </p:sp>
-      <p:sp>
-        <p:nvSpPr>
-          <p:cNvPr id="19" name="Graphic 15">
-            <a:extLst>
-              <a:ext uri="{FF2B5EF4-FFF2-40B4-BE49-F238E27FC236}">
-                <a16:creationId xmlns:a16="http://schemas.microsoft.com/office/drawing/2014/main" id="{AEA7509D-F04F-40CB-A0B3-EEF16499CC9F}"/>
-              </a:ext>
-              <a:ext uri="{C183D7F6-B498-43B3-948B-1728B52AA6E4}">
-                <adec:decorative xmlns:adec="http://schemas.microsoft.com/office/drawing/2017/decorative" val="1"/>
-              </a:ext>
-            </a:extLst>
-          </p:cNvPr>
-          <p:cNvSpPr>
-            <a:spLocks noGrp="1" noRot="1" noChangeAspect="1" noMove="1" noResize="1" noEditPoints="1" noAdjustHandles="1" noChangeArrowheads="1" noChangeShapeType="1" noTextEdit="1"/>
-          </p:cNvSpPr>
-          <p:nvPr>
-            <p:extLst>
-              <p:ext uri="{386F3935-93C4-4BCD-93E2-E3B085C9AB24}">
-                <p16:designElem xmlns:p16="http://schemas.microsoft.com/office/powerpoint/2015/main" val="1"/>
-              </p:ext>
-            </p:extLst>
-          </p:nvPr>
-        </p:nvSpPr>
-        <p:spPr>
-          <a:xfrm>
-            <a:off x="529414" y="3619532"/>
-            <a:ext cx="127714" cy="127714"/>
-          </a:xfrm>
-          <a:custGeom>
-            <a:avLst/>
-            <a:gdLst>
-              <a:gd name="connsiteX0" fmla="*/ 63857 w 127714"/>
-              <a:gd name="connsiteY0" fmla="*/ 18874 h 127714"/>
-              <a:gd name="connsiteX1" fmla="*/ 108840 w 127714"/>
-              <a:gd name="connsiteY1" fmla="*/ 63857 h 127714"/>
-              <a:gd name="connsiteX2" fmla="*/ 63857 w 127714"/>
-              <a:gd name="connsiteY2" fmla="*/ 108840 h 127714"/>
-              <a:gd name="connsiteX3" fmla="*/ 18874 w 127714"/>
-              <a:gd name="connsiteY3" fmla="*/ 63857 h 127714"/>
-              <a:gd name="connsiteX4" fmla="*/ 63857 w 127714"/>
-              <a:gd name="connsiteY4" fmla="*/ 18874 h 127714"/>
-              <a:gd name="connsiteX5" fmla="*/ 63857 w 127714"/>
-              <a:gd name="connsiteY5" fmla="*/ 0 h 127714"/>
-              <a:gd name="connsiteX6" fmla="*/ 0 w 127714"/>
-              <a:gd name="connsiteY6" fmla="*/ 63857 h 127714"/>
-              <a:gd name="connsiteX7" fmla="*/ 63857 w 127714"/>
-              <a:gd name="connsiteY7" fmla="*/ 127714 h 127714"/>
-              <a:gd name="connsiteX8" fmla="*/ 127714 w 127714"/>
-              <a:gd name="connsiteY8" fmla="*/ 63857 h 127714"/>
-              <a:gd name="connsiteX9" fmla="*/ 63857 w 127714"/>
-              <a:gd name="connsiteY9" fmla="*/ 0 h 127714"/>
-            </a:gdLst>
-            <a:ahLst/>
-            <a:cxnLst>
-              <a:cxn ang="0">
-                <a:pos x="connsiteX0" y="connsiteY0"/>
-              </a:cxn>
-              <a:cxn ang="0">
-                <a:pos x="connsiteX1" y="connsiteY1"/>
-              </a:cxn>
-              <a:cxn ang="0">
-                <a:pos x="connsiteX2" y="connsiteY2"/>
-              </a:cxn>
-              <a:cxn ang="0">
-                <a:pos x="connsiteX3" y="connsiteY3"/>
-              </a:cxn>
-              <a:cxn ang="0">
-                <a:pos x="connsiteX4" y="connsiteY4"/>
-              </a:cxn>
-              <a:cxn ang="0">
-                <a:pos x="connsiteX5" y="connsiteY5"/>
-              </a:cxn>
-              <a:cxn ang="0">
-                <a:pos x="connsiteX6" y="connsiteY6"/>
-              </a:cxn>
-              <a:cxn ang="0">
-                <a:pos x="connsiteX7" y="connsiteY7"/>
-              </a:cxn>
-              <a:cxn ang="0">
-                <a:pos x="connsiteX8" y="connsiteY8"/>
-              </a:cxn>
-              <a:cxn ang="0">
-                <a:pos x="connsiteX9" y="connsiteY9"/>
-              </a:cxn>
-            </a:cxnLst>
-            <a:rect l="l" t="t" r="r" b="b"/>
-            <a:pathLst>
-              <a:path w="127714" h="127714">
-                <a:moveTo>
-                  <a:pt x="63857" y="18874"/>
-                </a:moveTo>
-                <a:cubicBezTo>
-                  <a:pt x="88700" y="18874"/>
-                  <a:pt x="108840" y="39014"/>
-                  <a:pt x="108840" y="63857"/>
-                </a:cubicBezTo>
-                <a:cubicBezTo>
-                  <a:pt x="108840" y="88700"/>
-                  <a:pt x="88700" y="108840"/>
-                  <a:pt x="63857" y="108840"/>
-                </a:cubicBezTo>
-                <a:cubicBezTo>
-                  <a:pt x="39014" y="108840"/>
-                  <a:pt x="18874" y="88700"/>
-                  <a:pt x="18874" y="63857"/>
-                </a:cubicBezTo>
-                <a:cubicBezTo>
-                  <a:pt x="18898" y="39024"/>
-                  <a:pt x="39024" y="18898"/>
-                  <a:pt x="63857" y="18874"/>
-                </a:cubicBezTo>
-                <a:moveTo>
-                  <a:pt x="63857" y="0"/>
-                </a:moveTo>
-                <a:cubicBezTo>
-                  <a:pt x="28590" y="0"/>
-                  <a:pt x="0" y="28590"/>
-                  <a:pt x="0" y="63857"/>
-                </a:cubicBezTo>
-                <a:cubicBezTo>
-                  <a:pt x="0" y="99124"/>
-                  <a:pt x="28590" y="127714"/>
-                  <a:pt x="63857" y="127714"/>
-                </a:cubicBezTo>
-                <a:cubicBezTo>
-                  <a:pt x="99124" y="127714"/>
-                  <a:pt x="127714" y="99124"/>
-                  <a:pt x="127714" y="63857"/>
-                </a:cubicBezTo>
-                <a:cubicBezTo>
-                  <a:pt x="127714" y="28590"/>
-                  <a:pt x="99124" y="0"/>
-                  <a:pt x="63857" y="0"/>
-                </a:cubicBezTo>
-                <a:close/>
-              </a:path>
-            </a:pathLst>
-          </a:custGeom>
-          <a:solidFill>
-            <a:srgbClr val="FFFFFF"/>
-          </a:solidFill>
-          <a:ln w="610" cap="flat">
-            <a:noFill/>
-            <a:prstDash val="solid"/>
-            <a:miter/>
-          </a:ln>
-        </p:spPr>
-        <p:txBody>
-          <a:bodyPr rtlCol="0" anchor="ctr"/>
-          <a:lstStyle/>
-          <a:p>
-            <a:pPr marL="0" marR="0" lvl="0" indent="0" algn="l" defTabSz="914400" rtl="0" eaLnBrk="1" fontAlgn="auto" latinLnBrk="0" hangingPunct="1">
-              <a:lnSpc>
-                <a:spcPct val="100000"/>
-              </a:lnSpc>
-              <a:spcBef>
-                <a:spcPts val="0"/>
-              </a:spcBef>
-              <a:spcAft>
-                <a:spcPts val="0"/>
-              </a:spcAft>
-              <a:buClrTx/>
-              <a:buSzTx/>
-              <a:buFontTx/>
-              <a:buNone/>
-              <a:tabLst/>
-              <a:defRPr/>
-            </a:pPr>
-            <a:endParaRPr kumimoji="0" lang="en-US" sz="1800" b="0" i="0" u="none" strike="noStrike" kern="1200" cap="none" spc="0" normalizeH="0" baseline="0" noProof="0">
-              <a:ln>
-                <a:noFill/>
-              </a:ln>
-              <a:solidFill>
-                <a:prstClr val="black"/>
-              </a:solidFill>
-              <a:effectLst/>
-              <a:uLnTx/>
-              <a:uFillTx/>
-              <a:latin typeface="Univers"/>
-              <a:ea typeface="+mn-ea"/>
-              <a:cs typeface="+mn-cs"/>
-            </a:endParaRPr>
+            <a:endParaRPr lang="en-US"/>
           </a:p>
         </p:txBody>
       </p:sp>
@@ -22745,7 +22073,7 @@
     </p:extLst>
   </p:cSld>
   <p:clrMapOvr>
-    <a:masterClrMapping/>
+    <a:overrideClrMapping bg1="dk1" tx1="lt1" bg2="dk2" tx2="lt2" accent1="accent1" accent2="accent2" accent3="accent3" accent4="accent4" accent5="accent5" accent6="accent6" hlink="hlink" folHlink="folHlink"/>
   </p:clrMapOvr>
 </p:sld>
 </file>
@@ -24391,6 +23719,14 @@
 <file path=ppt/slides/slide12.xml><?xml version="1.0" encoding="utf-8"?>
 <p:sld xmlns:a="http://schemas.openxmlformats.org/drawingml/2006/main" xmlns:r="http://schemas.openxmlformats.org/officeDocument/2006/relationships" xmlns:p="http://schemas.openxmlformats.org/presentationml/2006/main">
   <p:cSld>
+    <p:bg>
+      <p:bgPr>
+        <a:solidFill>
+          <a:schemeClr val="bg1"/>
+        </a:solidFill>
+        <a:effectLst/>
+      </p:bgPr>
+    </p:bg>
     <p:spTree>
       <p:nvGrpSpPr>
         <p:cNvPr id="1" name=""/>
@@ -24405,12 +23741,227 @@
           <a:chExt cx="0" cy="0"/>
         </a:xfrm>
       </p:grpSpPr>
+      <p:sp useBgFill="1">
+        <p:nvSpPr>
+          <p:cNvPr id="9" name="Rectangle 8">
+            <a:extLst>
+              <a:ext uri="{FF2B5EF4-FFF2-40B4-BE49-F238E27FC236}">
+                <a16:creationId xmlns:a16="http://schemas.microsoft.com/office/drawing/2014/main" id="{607DF6BB-EADF-4BE6-B8A3-E5E4194BC276}"/>
+              </a:ext>
+              <a:ext uri="{C183D7F6-B498-43B3-948B-1728B52AA6E4}">
+                <adec:decorative xmlns:adec="http://schemas.microsoft.com/office/drawing/2017/decorative" val="1"/>
+              </a:ext>
+            </a:extLst>
+          </p:cNvPr>
+          <p:cNvSpPr>
+            <a:spLocks noGrp="1" noRot="1" noChangeAspect="1" noMove="1" noResize="1" noEditPoints="1" noAdjustHandles="1" noChangeArrowheads="1" noChangeShapeType="1" noTextEdit="1"/>
+          </p:cNvSpPr>
+          <p:nvPr>
+            <p:extLst>
+              <p:ext uri="{386F3935-93C4-4BCD-93E2-E3B085C9AB24}">
+                <p16:designElem xmlns:p16="http://schemas.microsoft.com/office/powerpoint/2015/main" val="1"/>
+              </p:ext>
+            </p:extLst>
+          </p:nvPr>
+        </p:nvSpPr>
+        <p:spPr>
+          <a:xfrm>
+            <a:off x="0" y="0"/>
+            <a:ext cx="12192000" cy="6858000"/>
+          </a:xfrm>
+          <a:prstGeom prst="rect">
+            <a:avLst/>
+          </a:prstGeom>
+          <a:ln w="12700" cap="flat" cmpd="sng" algn="ctr">
+            <a:noFill/>
+            <a:prstDash val="solid"/>
+            <a:miter lim="800000"/>
+          </a:ln>
+          <a:effectLst/>
+          <a:extLst>
+            <a:ext uri="{91240B29-F687-4F45-9708-019B960494DF}">
+              <a14:hiddenLine xmlns:a14="http://schemas.microsoft.com/office/drawing/2010/main" w="12700" cap="flat" cmpd="sng" algn="ctr">
+                <a:solidFill>
+                  <a:schemeClr val="accent1">
+                    <a:shade val="50000"/>
+                  </a:schemeClr>
+                </a:solidFill>
+                <a:prstDash val="solid"/>
+                <a:miter lim="800000"/>
+              </a14:hiddenLine>
+            </a:ext>
+          </a:extLst>
+        </p:spPr>
+        <p:style>
+          <a:lnRef idx="2">
+            <a:schemeClr val="accent1">
+              <a:shade val="50000"/>
+            </a:schemeClr>
+          </a:lnRef>
+          <a:fillRef idx="1">
+            <a:schemeClr val="accent1"/>
+          </a:fillRef>
+          <a:effectRef idx="0">
+            <a:schemeClr val="accent1"/>
+          </a:effectRef>
+          <a:fontRef idx="minor">
+            <a:schemeClr val="lt1"/>
+          </a:fontRef>
+        </p:style>
+        <p:txBody>
+          <a:bodyPr rtlCol="0" anchor="ctr"/>
+          <a:lstStyle/>
+          <a:p>
+            <a:pPr algn="ctr"/>
+            <a:endParaRPr lang="en-US"/>
+          </a:p>
+        </p:txBody>
+      </p:sp>
       <p:sp>
         <p:nvSpPr>
-          <p:cNvPr id="24" name="Slide Number Placeholder 23">
+          <p:cNvPr id="11" name="!!Rectangle">
             <a:extLst>
               <a:ext uri="{FF2B5EF4-FFF2-40B4-BE49-F238E27FC236}">
-                <a16:creationId xmlns:a16="http://schemas.microsoft.com/office/drawing/2014/main" id="{5D838446-B95D-4AB7-B8CA-D5804BB79A11}"/>
+                <a16:creationId xmlns:a16="http://schemas.microsoft.com/office/drawing/2014/main" id="{F4155C20-3F0E-4576-8A0B-C345B62312DA}"/>
+              </a:ext>
+              <a:ext uri="{C183D7F6-B498-43B3-948B-1728B52AA6E4}">
+                <adec:decorative xmlns:adec="http://schemas.microsoft.com/office/drawing/2017/decorative" val="1"/>
+              </a:ext>
+            </a:extLst>
+          </p:cNvPr>
+          <p:cNvSpPr>
+            <a:spLocks noGrp="1" noRot="1" noChangeAspect="1" noMove="1" noResize="1" noEditPoints="1" noAdjustHandles="1" noChangeArrowheads="1" noChangeShapeType="1" noTextEdit="1"/>
+          </p:cNvSpPr>
+          <p:nvPr>
+            <p:extLst>
+              <p:ext uri="{386F3935-93C4-4BCD-93E2-E3B085C9AB24}">
+                <p16:designElem xmlns:p16="http://schemas.microsoft.com/office/powerpoint/2015/main" val="1"/>
+              </p:ext>
+            </p:extLst>
+          </p:nvPr>
+        </p:nvSpPr>
+        <p:spPr>
+          <a:xfrm>
+            <a:off x="0" y="0"/>
+            <a:ext cx="12192000" cy="6858000"/>
+          </a:xfrm>
+          <a:prstGeom prst="rect">
+            <a:avLst/>
+          </a:prstGeom>
+          <a:gradFill flip="none" rotWithShape="1">
+            <a:gsLst>
+              <a:gs pos="100000">
+                <a:schemeClr val="accent4"/>
+              </a:gs>
+              <a:gs pos="0">
+                <a:schemeClr val="accent2"/>
+              </a:gs>
+            </a:gsLst>
+            <a:lin ang="2700000" scaled="1"/>
+            <a:tileRect/>
+          </a:gradFill>
+          <a:ln>
+            <a:noFill/>
+          </a:ln>
+        </p:spPr>
+        <p:style>
+          <a:lnRef idx="2">
+            <a:schemeClr val="accent1">
+              <a:shade val="50000"/>
+            </a:schemeClr>
+          </a:lnRef>
+          <a:fillRef idx="1">
+            <a:schemeClr val="accent1"/>
+          </a:fillRef>
+          <a:effectRef idx="0">
+            <a:schemeClr val="accent1"/>
+          </a:effectRef>
+          <a:fontRef idx="minor">
+            <a:schemeClr val="lt1"/>
+          </a:fontRef>
+        </p:style>
+        <p:txBody>
+          <a:bodyPr rtlCol="0" anchor="ctr"/>
+          <a:lstStyle/>
+          <a:p>
+            <a:pPr marL="0" marR="0" lvl="0" indent="0" algn="ctr" defTabSz="914400" rtl="0" eaLnBrk="1" fontAlgn="auto" latinLnBrk="0" hangingPunct="1">
+              <a:lnSpc>
+                <a:spcPct val="100000"/>
+              </a:lnSpc>
+              <a:spcBef>
+                <a:spcPts val="0"/>
+              </a:spcBef>
+              <a:spcAft>
+                <a:spcPts val="0"/>
+              </a:spcAft>
+              <a:buClrTx/>
+              <a:buSzTx/>
+              <a:buFontTx/>
+              <a:buNone/>
+              <a:tabLst/>
+              <a:defRPr/>
+            </a:pPr>
+            <a:endParaRPr kumimoji="0" lang="en-US" sz="1800" b="0" i="0" u="none" strike="noStrike" kern="1200" cap="none" spc="0" normalizeH="0" baseline="0" noProof="0">
+              <a:ln>
+                <a:noFill/>
+              </a:ln>
+              <a:solidFill>
+                <a:prstClr val="white"/>
+              </a:solidFill>
+              <a:effectLst/>
+              <a:uLnTx/>
+              <a:uFillTx/>
+              <a:latin typeface="Univers"/>
+              <a:ea typeface="+mn-ea"/>
+              <a:cs typeface="+mn-cs"/>
+            </a:endParaRPr>
+          </a:p>
+        </p:txBody>
+      </p:sp>
+      <p:pic>
+        <p:nvPicPr>
+          <p:cNvPr id="5" name="Picture 4">
+            <a:extLst>
+              <a:ext uri="{FF2B5EF4-FFF2-40B4-BE49-F238E27FC236}">
+                <a16:creationId xmlns:a16="http://schemas.microsoft.com/office/drawing/2014/main" id="{518BE9DA-DFE9-E262-AF71-EBAACE170DD9}"/>
+              </a:ext>
+            </a:extLst>
+          </p:cNvPr>
+          <p:cNvPicPr>
+            <a:picLocks noChangeAspect="1"/>
+          </p:cNvPicPr>
+          <p:nvPr/>
+        </p:nvPicPr>
+        <p:blipFill rotWithShape="1">
+          <a:blip r:embed="rId2">
+            <a:duotone>
+              <a:schemeClr val="accent1">
+                <a:shade val="45000"/>
+                <a:satMod val="135000"/>
+              </a:schemeClr>
+              <a:prstClr val="white"/>
+            </a:duotone>
+            <a:alphaModFix amt="35000"/>
+          </a:blip>
+          <a:srcRect t="20213"/>
+          <a:stretch/>
+        </p:blipFill>
+        <p:spPr>
+          <a:xfrm>
+            <a:off x="20" y="-8877"/>
+            <a:ext cx="12191980" cy="6858000"/>
+          </a:xfrm>
+          <a:prstGeom prst="rect">
+            <a:avLst/>
+          </a:prstGeom>
+        </p:spPr>
+      </p:pic>
+      <p:sp>
+        <p:nvSpPr>
+          <p:cNvPr id="2" name="Title 1">
+            <a:extLst>
+              <a:ext uri="{FF2B5EF4-FFF2-40B4-BE49-F238E27FC236}">
+                <a16:creationId xmlns:a16="http://schemas.microsoft.com/office/drawing/2014/main" id="{8D921B63-B7E9-5170-696E-C330E82A10A1}"/>
               </a:ext>
             </a:extLst>
           </p:cNvPr>
@@ -24418,69 +23969,902 @@
             <a:spLocks noGrp="1"/>
           </p:cNvSpPr>
           <p:nvPr>
-            <p:ph type="sldNum" sz="quarter" idx="12"/>
+            <p:ph type="ctrTitle"/>
           </p:nvPr>
         </p:nvSpPr>
-        <p:spPr/>
+        <p:spPr>
+          <a:xfrm>
+            <a:off x="466730" y="1598246"/>
+            <a:ext cx="4554659" cy="5034817"/>
+          </a:xfrm>
+        </p:spPr>
         <p:txBody>
-          <a:bodyPr/>
+          <a:bodyPr anchor="t">
+            <a:normAutofit/>
+          </a:bodyPr>
           <a:lstStyle/>
           <a:p>
-            <a:fld id="{D8DA9DAA-006C-4F4B-980E-E3DF019B24E2}" type="slidenum">
-              <a:rPr lang="en-US" smtClean="0"/>
-              <a:pPr/>
-              <a:t>12</a:t>
-            </a:fld>
-            <a:endParaRPr lang="en-US" dirty="0"/>
+            <a:r>
+              <a:rPr lang="en-US" sz="6200" dirty="0">
+                <a:solidFill>
+                  <a:srgbClr val="FFFFFF"/>
+                </a:solidFill>
+              </a:rPr>
+              <a:t>Learning 	</a:t>
+            </a:r>
+            <a:endParaRPr lang="en-NL" sz="6200" dirty="0">
+              <a:solidFill>
+                <a:srgbClr val="FFFFFF"/>
+              </a:solidFill>
+            </a:endParaRPr>
           </a:p>
         </p:txBody>
       </p:sp>
-      <p:pic>
-        <p:nvPicPr>
-          <p:cNvPr id="9" name="Picture Placeholder 8" descr="mountains at sunset">
+      <p:sp>
+        <p:nvSpPr>
+          <p:cNvPr id="3" name="Subtitle 2">
             <a:extLst>
               <a:ext uri="{FF2B5EF4-FFF2-40B4-BE49-F238E27FC236}">
-                <a16:creationId xmlns:a16="http://schemas.microsoft.com/office/drawing/2014/main" id="{C82DA925-978C-48A9-98AD-0653B7A3D2D9}"/>
+                <a16:creationId xmlns:a16="http://schemas.microsoft.com/office/drawing/2014/main" id="{53C2699C-55EB-F44D-D6C5-D18F9F5BD4D7}"/>
               </a:ext>
             </a:extLst>
           </p:cNvPr>
-          <p:cNvPicPr>
-            <a:picLocks noGrp="1" noChangeAspect="1"/>
-          </p:cNvPicPr>
+          <p:cNvSpPr>
+            <a:spLocks noGrp="1"/>
+          </p:cNvSpPr>
           <p:nvPr>
-            <p:ph type="pic" sz="quarter" idx="14"/>
+            <p:ph type="subTitle" idx="1"/>
           </p:nvPr>
-        </p:nvPicPr>
-        <p:blipFill rotWithShape="1">
-          <a:blip r:embed="rId2"/>
-          <a:srcRect t="41" b="41"/>
-          <a:stretch/>
-        </p:blipFill>
-        <p:spPr/>
-      </p:pic>
-      <p:pic>
-        <p:nvPicPr>
-          <p:cNvPr id="11" name="Picture Placeholder 10" descr="mountains at sunset">
+        </p:nvSpPr>
+        <p:spPr>
+          <a:xfrm>
+            <a:off x="5792994" y="1590840"/>
+            <a:ext cx="5010506" cy="5007531"/>
+          </a:xfrm>
+        </p:spPr>
+        <p:txBody>
+          <a:bodyPr>
+            <a:normAutofit/>
+          </a:bodyPr>
+          <a:lstStyle/>
+          <a:p>
+            <a:pPr algn="l"/>
+            <a:r>
+              <a:rPr lang="en-US" sz="3700" dirty="0">
+                <a:solidFill>
+                  <a:srgbClr val="FFFFFF"/>
+                </a:solidFill>
+              </a:rPr>
+              <a:t>Process</a:t>
+            </a:r>
+          </a:p>
+          <a:p>
+            <a:pPr algn="l"/>
+            <a:r>
+              <a:rPr lang="en-US" sz="3700" dirty="0">
+                <a:solidFill>
+                  <a:srgbClr val="FFFFFF"/>
+                </a:solidFill>
+              </a:rPr>
+              <a:t>Taking responsibility</a:t>
+            </a:r>
+          </a:p>
+          <a:p>
+            <a:pPr algn="l"/>
+            <a:r>
+              <a:rPr lang="en-US" sz="3700" dirty="0">
+                <a:solidFill>
+                  <a:srgbClr val="FFFFFF"/>
+                </a:solidFill>
+              </a:rPr>
+              <a:t>Problem solving</a:t>
+            </a:r>
+          </a:p>
+          <a:p>
+            <a:pPr algn="l"/>
+            <a:r>
+              <a:rPr lang="en-US" sz="3700" dirty="0">
+                <a:solidFill>
+                  <a:srgbClr val="FFFFFF"/>
+                </a:solidFill>
+              </a:rPr>
+              <a:t>Taking and applying feedback  </a:t>
+            </a:r>
+          </a:p>
+          <a:p>
+            <a:pPr algn="l"/>
+            <a:r>
+              <a:rPr lang="en-US" sz="3700" dirty="0">
+                <a:solidFill>
+                  <a:srgbClr val="FFFFFF"/>
+                </a:solidFill>
+              </a:rPr>
+              <a:t>Continuous learning and improvement </a:t>
+            </a:r>
+            <a:endParaRPr lang="en-NL" sz="3700" dirty="0">
+              <a:solidFill>
+                <a:srgbClr val="FFFFFF"/>
+              </a:solidFill>
+            </a:endParaRPr>
+          </a:p>
+        </p:txBody>
+      </p:sp>
+      <p:cxnSp>
+        <p:nvCxnSpPr>
+          <p:cNvPr id="13" name="Straight Connector 12">
             <a:extLst>
               <a:ext uri="{FF2B5EF4-FFF2-40B4-BE49-F238E27FC236}">
-                <a16:creationId xmlns:a16="http://schemas.microsoft.com/office/drawing/2014/main" id="{E63B7C3F-04A4-43F6-881D-FA11061CBAFA}"/>
+                <a16:creationId xmlns:a16="http://schemas.microsoft.com/office/drawing/2014/main" id="{56020367-4FD5-4596-8E10-C5F095CD8DBF}"/>
+              </a:ext>
+              <a:ext uri="{C183D7F6-B498-43B3-948B-1728B52AA6E4}">
+                <adec:decorative xmlns:adec="http://schemas.microsoft.com/office/drawing/2017/decorative" val="1"/>
               </a:ext>
             </a:extLst>
           </p:cNvPr>
-          <p:cNvPicPr>
-            <a:picLocks noGrp="1" noChangeAspect="1"/>
-          </p:cNvPicPr>
+          <p:cNvCxnSpPr>
+            <a:cxnSpLocks noGrp="1" noRot="1" noChangeAspect="1" noMove="1" noResize="1" noEditPoints="1" noAdjustHandles="1" noChangeArrowheads="1" noChangeShapeType="1"/>
+          </p:cNvCxnSpPr>
           <p:nvPr>
-            <p:ph type="pic" sz="quarter" idx="15"/>
+            <p:extLst>
+              <p:ext uri="{386F3935-93C4-4BCD-93E2-E3B085C9AB24}">
+                <p16:designElem xmlns:p16="http://schemas.microsoft.com/office/powerpoint/2015/main" val="1"/>
+              </p:ext>
+            </p:extLst>
           </p:nvPr>
-        </p:nvPicPr>
-        <p:blipFill rotWithShape="1">
-          <a:blip r:embed="rId3"/>
-          <a:srcRect t="347" b="347"/>
-          <a:stretch/>
-        </p:blipFill>
-        <p:spPr/>
-      </p:pic>
+        </p:nvCxnSpPr>
+        <p:spPr>
+          <a:xfrm>
+            <a:off x="5447322" y="1589368"/>
+            <a:ext cx="0" cy="5259754"/>
+          </a:xfrm>
+          <a:prstGeom prst="line">
+            <a:avLst/>
+          </a:prstGeom>
+          <a:ln w="25400" cap="sq">
+            <a:solidFill>
+              <a:srgbClr val="FFFFFF"/>
+            </a:solidFill>
+            <a:bevel/>
+          </a:ln>
+        </p:spPr>
+        <p:style>
+          <a:lnRef idx="1">
+            <a:schemeClr val="accent1"/>
+          </a:lnRef>
+          <a:fillRef idx="0">
+            <a:schemeClr val="accent1"/>
+          </a:fillRef>
+          <a:effectRef idx="0">
+            <a:schemeClr val="accent1"/>
+          </a:effectRef>
+          <a:fontRef idx="minor">
+            <a:schemeClr val="tx1"/>
+          </a:fontRef>
+        </p:style>
+      </p:cxnSp>
+      <p:sp>
+        <p:nvSpPr>
+          <p:cNvPr id="15" name="Graphic 21">
+            <a:extLst>
+              <a:ext uri="{FF2B5EF4-FFF2-40B4-BE49-F238E27FC236}">
+                <a16:creationId xmlns:a16="http://schemas.microsoft.com/office/drawing/2014/main" id="{0BAEB82B-9A6B-4982-B56B-7529C6EA9A95}"/>
+              </a:ext>
+              <a:ext uri="{C183D7F6-B498-43B3-948B-1728B52AA6E4}">
+                <adec:decorative xmlns:adec="http://schemas.microsoft.com/office/drawing/2017/decorative" val="1"/>
+              </a:ext>
+            </a:extLst>
+          </p:cNvPr>
+          <p:cNvSpPr>
+            <a:spLocks noGrp="1" noRot="1" noChangeAspect="1" noMove="1" noResize="1" noEditPoints="1" noAdjustHandles="1" noChangeArrowheads="1" noChangeShapeType="1" noTextEdit="1"/>
+          </p:cNvSpPr>
+          <p:nvPr>
+            <p:extLst>
+              <p:ext uri="{386F3935-93C4-4BCD-93E2-E3B085C9AB24}">
+                <p16:designElem xmlns:p16="http://schemas.microsoft.com/office/powerpoint/2015/main" val="1"/>
+              </p:ext>
+            </p:extLst>
+          </p:nvPr>
+        </p:nvSpPr>
+        <p:spPr>
+          <a:xfrm>
+            <a:off x="11023128" y="1731109"/>
+            <a:ext cx="139039" cy="136646"/>
+          </a:xfrm>
+          <a:custGeom>
+            <a:avLst/>
+            <a:gdLst>
+              <a:gd name="connsiteX0" fmla="*/ 129602 w 139039"/>
+              <a:gd name="connsiteY0" fmla="*/ 59048 h 136646"/>
+              <a:gd name="connsiteX1" fmla="*/ 78957 w 139039"/>
+              <a:gd name="connsiteY1" fmla="*/ 59048 h 136646"/>
+              <a:gd name="connsiteX2" fmla="*/ 78957 w 139039"/>
+              <a:gd name="connsiteY2" fmla="*/ 9275 h 136646"/>
+              <a:gd name="connsiteX3" fmla="*/ 69520 w 139039"/>
+              <a:gd name="connsiteY3" fmla="*/ 0 h 136646"/>
+              <a:gd name="connsiteX4" fmla="*/ 60082 w 139039"/>
+              <a:gd name="connsiteY4" fmla="*/ 9275 h 136646"/>
+              <a:gd name="connsiteX5" fmla="*/ 60082 w 139039"/>
+              <a:gd name="connsiteY5" fmla="*/ 59048 h 136646"/>
+              <a:gd name="connsiteX6" fmla="*/ 9437 w 139039"/>
+              <a:gd name="connsiteY6" fmla="*/ 59048 h 136646"/>
+              <a:gd name="connsiteX7" fmla="*/ 0 w 139039"/>
+              <a:gd name="connsiteY7" fmla="*/ 68323 h 136646"/>
+              <a:gd name="connsiteX8" fmla="*/ 9437 w 139039"/>
+              <a:gd name="connsiteY8" fmla="*/ 77598 h 136646"/>
+              <a:gd name="connsiteX9" fmla="*/ 60082 w 139039"/>
+              <a:gd name="connsiteY9" fmla="*/ 77598 h 136646"/>
+              <a:gd name="connsiteX10" fmla="*/ 60082 w 139039"/>
+              <a:gd name="connsiteY10" fmla="*/ 127371 h 136646"/>
+              <a:gd name="connsiteX11" fmla="*/ 69520 w 139039"/>
+              <a:gd name="connsiteY11" fmla="*/ 136646 h 136646"/>
+              <a:gd name="connsiteX12" fmla="*/ 78957 w 139039"/>
+              <a:gd name="connsiteY12" fmla="*/ 127371 h 136646"/>
+              <a:gd name="connsiteX13" fmla="*/ 78957 w 139039"/>
+              <a:gd name="connsiteY13" fmla="*/ 77598 h 136646"/>
+              <a:gd name="connsiteX14" fmla="*/ 129602 w 139039"/>
+              <a:gd name="connsiteY14" fmla="*/ 77598 h 136646"/>
+              <a:gd name="connsiteX15" fmla="*/ 139039 w 139039"/>
+              <a:gd name="connsiteY15" fmla="*/ 68323 h 136646"/>
+              <a:gd name="connsiteX16" fmla="*/ 129602 w 139039"/>
+              <a:gd name="connsiteY16" fmla="*/ 59048 h 136646"/>
+            </a:gdLst>
+            <a:ahLst/>
+            <a:cxnLst>
+              <a:cxn ang="0">
+                <a:pos x="connsiteX0" y="connsiteY0"/>
+              </a:cxn>
+              <a:cxn ang="0">
+                <a:pos x="connsiteX1" y="connsiteY1"/>
+              </a:cxn>
+              <a:cxn ang="0">
+                <a:pos x="connsiteX2" y="connsiteY2"/>
+              </a:cxn>
+              <a:cxn ang="0">
+                <a:pos x="connsiteX3" y="connsiteY3"/>
+              </a:cxn>
+              <a:cxn ang="0">
+                <a:pos x="connsiteX4" y="connsiteY4"/>
+              </a:cxn>
+              <a:cxn ang="0">
+                <a:pos x="connsiteX5" y="connsiteY5"/>
+              </a:cxn>
+              <a:cxn ang="0">
+                <a:pos x="connsiteX6" y="connsiteY6"/>
+              </a:cxn>
+              <a:cxn ang="0">
+                <a:pos x="connsiteX7" y="connsiteY7"/>
+              </a:cxn>
+              <a:cxn ang="0">
+                <a:pos x="connsiteX8" y="connsiteY8"/>
+              </a:cxn>
+              <a:cxn ang="0">
+                <a:pos x="connsiteX9" y="connsiteY9"/>
+              </a:cxn>
+              <a:cxn ang="0">
+                <a:pos x="connsiteX10" y="connsiteY10"/>
+              </a:cxn>
+              <a:cxn ang="0">
+                <a:pos x="connsiteX11" y="connsiteY11"/>
+              </a:cxn>
+              <a:cxn ang="0">
+                <a:pos x="connsiteX12" y="connsiteY12"/>
+              </a:cxn>
+              <a:cxn ang="0">
+                <a:pos x="connsiteX13" y="connsiteY13"/>
+              </a:cxn>
+              <a:cxn ang="0">
+                <a:pos x="connsiteX14" y="connsiteY14"/>
+              </a:cxn>
+              <a:cxn ang="0">
+                <a:pos x="connsiteX15" y="connsiteY15"/>
+              </a:cxn>
+              <a:cxn ang="0">
+                <a:pos x="connsiteX16" y="connsiteY16"/>
+              </a:cxn>
+            </a:cxnLst>
+            <a:rect l="l" t="t" r="r" b="b"/>
+            <a:pathLst>
+              <a:path w="139039" h="136646">
+                <a:moveTo>
+                  <a:pt x="129602" y="59048"/>
+                </a:moveTo>
+                <a:lnTo>
+                  <a:pt x="78957" y="59048"/>
+                </a:lnTo>
+                <a:lnTo>
+                  <a:pt x="78957" y="9275"/>
+                </a:lnTo>
+                <a:cubicBezTo>
+                  <a:pt x="78957" y="4152"/>
+                  <a:pt x="74731" y="0"/>
+                  <a:pt x="69520" y="0"/>
+                </a:cubicBezTo>
+                <a:cubicBezTo>
+                  <a:pt x="64308" y="0"/>
+                  <a:pt x="60082" y="4152"/>
+                  <a:pt x="60082" y="9275"/>
+                </a:cubicBezTo>
+                <a:lnTo>
+                  <a:pt x="60082" y="59048"/>
+                </a:lnTo>
+                <a:lnTo>
+                  <a:pt x="9437" y="59048"/>
+                </a:lnTo>
+                <a:cubicBezTo>
+                  <a:pt x="4225" y="59048"/>
+                  <a:pt x="0" y="63201"/>
+                  <a:pt x="0" y="68323"/>
+                </a:cubicBezTo>
+                <a:cubicBezTo>
+                  <a:pt x="0" y="73445"/>
+                  <a:pt x="4225" y="77598"/>
+                  <a:pt x="9437" y="77598"/>
+                </a:cubicBezTo>
+                <a:lnTo>
+                  <a:pt x="60082" y="77598"/>
+                </a:lnTo>
+                <a:lnTo>
+                  <a:pt x="60082" y="127371"/>
+                </a:lnTo>
+                <a:cubicBezTo>
+                  <a:pt x="60082" y="132493"/>
+                  <a:pt x="64308" y="136646"/>
+                  <a:pt x="69520" y="136646"/>
+                </a:cubicBezTo>
+                <a:cubicBezTo>
+                  <a:pt x="74731" y="136646"/>
+                  <a:pt x="78957" y="132493"/>
+                  <a:pt x="78957" y="127371"/>
+                </a:cubicBezTo>
+                <a:lnTo>
+                  <a:pt x="78957" y="77598"/>
+                </a:lnTo>
+                <a:lnTo>
+                  <a:pt x="129602" y="77598"/>
+                </a:lnTo>
+                <a:cubicBezTo>
+                  <a:pt x="134814" y="77598"/>
+                  <a:pt x="139039" y="73445"/>
+                  <a:pt x="139039" y="68323"/>
+                </a:cubicBezTo>
+                <a:cubicBezTo>
+                  <a:pt x="139039" y="63201"/>
+                  <a:pt x="134814" y="59048"/>
+                  <a:pt x="129602" y="59048"/>
+                </a:cubicBezTo>
+                <a:close/>
+              </a:path>
+            </a:pathLst>
+          </a:custGeom>
+          <a:solidFill>
+            <a:srgbClr val="FFFFFF"/>
+          </a:solidFill>
+          <a:ln w="603" cap="flat">
+            <a:noFill/>
+            <a:prstDash val="solid"/>
+            <a:miter/>
+          </a:ln>
+        </p:spPr>
+        <p:txBody>
+          <a:bodyPr rtlCol="0" anchor="ctr"/>
+          <a:lstStyle/>
+          <a:p>
+            <a:pPr marL="0" marR="0" lvl="0" indent="0" algn="l" defTabSz="914400" rtl="0" eaLnBrk="1" fontAlgn="auto" latinLnBrk="0" hangingPunct="1">
+              <a:lnSpc>
+                <a:spcPct val="100000"/>
+              </a:lnSpc>
+              <a:spcBef>
+                <a:spcPts val="0"/>
+              </a:spcBef>
+              <a:spcAft>
+                <a:spcPts val="0"/>
+              </a:spcAft>
+              <a:buClrTx/>
+              <a:buSzTx/>
+              <a:buFontTx/>
+              <a:buNone/>
+              <a:tabLst/>
+              <a:defRPr/>
+            </a:pPr>
+            <a:endParaRPr kumimoji="0" lang="en-US" sz="1800" b="0" i="0" u="none" strike="noStrike" kern="1200" cap="none" spc="0" normalizeH="0" baseline="0" noProof="0">
+              <a:ln>
+                <a:noFill/>
+              </a:ln>
+              <a:solidFill>
+                <a:prstClr val="black"/>
+              </a:solidFill>
+              <a:effectLst/>
+              <a:uLnTx/>
+              <a:uFillTx/>
+              <a:latin typeface="Univers"/>
+              <a:ea typeface="+mn-ea"/>
+              <a:cs typeface="+mn-cs"/>
+            </a:endParaRPr>
+          </a:p>
+        </p:txBody>
+      </p:sp>
+      <p:sp>
+        <p:nvSpPr>
+          <p:cNvPr id="17" name="Graphic 17">
+            <a:extLst>
+              <a:ext uri="{FF2B5EF4-FFF2-40B4-BE49-F238E27FC236}">
+                <a16:creationId xmlns:a16="http://schemas.microsoft.com/office/drawing/2014/main" id="{FC71CE45-EECF-4555-AD4B-1B3D0D5D1540}"/>
+              </a:ext>
+              <a:ext uri="{C183D7F6-B498-43B3-948B-1728B52AA6E4}">
+                <adec:decorative xmlns:adec="http://schemas.microsoft.com/office/drawing/2017/decorative" val="1"/>
+              </a:ext>
+            </a:extLst>
+          </p:cNvPr>
+          <p:cNvSpPr>
+            <a:spLocks noGrp="1" noRot="1" noChangeAspect="1" noMove="1" noResize="1" noEditPoints="1" noAdjustHandles="1" noChangeArrowheads="1" noChangeShapeType="1" noTextEdit="1"/>
+          </p:cNvSpPr>
+          <p:nvPr>
+            <p:extLst>
+              <p:ext uri="{386F3935-93C4-4BCD-93E2-E3B085C9AB24}">
+                <p16:designElem xmlns:p16="http://schemas.microsoft.com/office/powerpoint/2015/main" val="1"/>
+              </p:ext>
+            </p:extLst>
+          </p:nvPr>
+        </p:nvSpPr>
+        <p:spPr>
+          <a:xfrm>
+            <a:off x="11381908" y="1956458"/>
+            <a:ext cx="91138" cy="89570"/>
+          </a:xfrm>
+          <a:custGeom>
+            <a:avLst/>
+            <a:gdLst>
+              <a:gd name="connsiteX0" fmla="*/ 91138 w 91138"/>
+              <a:gd name="connsiteY0" fmla="*/ 44785 h 89570"/>
+              <a:gd name="connsiteX1" fmla="*/ 45569 w 91138"/>
+              <a:gd name="connsiteY1" fmla="*/ 89570 h 89570"/>
+              <a:gd name="connsiteX2" fmla="*/ 0 w 91138"/>
+              <a:gd name="connsiteY2" fmla="*/ 44785 h 89570"/>
+              <a:gd name="connsiteX3" fmla="*/ 45569 w 91138"/>
+              <a:gd name="connsiteY3" fmla="*/ 0 h 89570"/>
+              <a:gd name="connsiteX4" fmla="*/ 91138 w 91138"/>
+              <a:gd name="connsiteY4" fmla="*/ 44785 h 89570"/>
+            </a:gdLst>
+            <a:ahLst/>
+            <a:cxnLst>
+              <a:cxn ang="0">
+                <a:pos x="connsiteX0" y="connsiteY0"/>
+              </a:cxn>
+              <a:cxn ang="0">
+                <a:pos x="connsiteX1" y="connsiteY1"/>
+              </a:cxn>
+              <a:cxn ang="0">
+                <a:pos x="connsiteX2" y="connsiteY2"/>
+              </a:cxn>
+              <a:cxn ang="0">
+                <a:pos x="connsiteX3" y="connsiteY3"/>
+              </a:cxn>
+              <a:cxn ang="0">
+                <a:pos x="connsiteX4" y="connsiteY4"/>
+              </a:cxn>
+            </a:cxnLst>
+            <a:rect l="l" t="t" r="r" b="b"/>
+            <a:pathLst>
+              <a:path w="91138" h="89570">
+                <a:moveTo>
+                  <a:pt x="91138" y="44785"/>
+                </a:moveTo>
+                <a:cubicBezTo>
+                  <a:pt x="91138" y="69519"/>
+                  <a:pt x="70736" y="89570"/>
+                  <a:pt x="45569" y="89570"/>
+                </a:cubicBezTo>
+                <a:cubicBezTo>
+                  <a:pt x="20402" y="89570"/>
+                  <a:pt x="0" y="69519"/>
+                  <a:pt x="0" y="44785"/>
+                </a:cubicBezTo>
+                <a:cubicBezTo>
+                  <a:pt x="0" y="20051"/>
+                  <a:pt x="20402" y="0"/>
+                  <a:pt x="45569" y="0"/>
+                </a:cubicBezTo>
+                <a:cubicBezTo>
+                  <a:pt x="70736" y="0"/>
+                  <a:pt x="91138" y="20051"/>
+                  <a:pt x="91138" y="44785"/>
+                </a:cubicBezTo>
+                <a:close/>
+              </a:path>
+            </a:pathLst>
+          </a:custGeom>
+          <a:solidFill>
+            <a:srgbClr val="FFFFFF"/>
+          </a:solidFill>
+          <a:ln w="422" cap="flat">
+            <a:noFill/>
+            <a:prstDash val="solid"/>
+            <a:miter/>
+          </a:ln>
+        </p:spPr>
+        <p:txBody>
+          <a:bodyPr rtlCol="0" anchor="ctr"/>
+          <a:lstStyle/>
+          <a:p>
+            <a:pPr marL="0" marR="0" lvl="0" indent="0" algn="l" defTabSz="914400" rtl="0" eaLnBrk="1" fontAlgn="auto" latinLnBrk="0" hangingPunct="1">
+              <a:lnSpc>
+                <a:spcPct val="100000"/>
+              </a:lnSpc>
+              <a:spcBef>
+                <a:spcPts val="0"/>
+              </a:spcBef>
+              <a:spcAft>
+                <a:spcPts val="0"/>
+              </a:spcAft>
+              <a:buClrTx/>
+              <a:buSzTx/>
+              <a:buFontTx/>
+              <a:buNone/>
+              <a:tabLst/>
+              <a:defRPr/>
+            </a:pPr>
+            <a:endParaRPr kumimoji="0" lang="en-US" sz="1800" b="0" i="0" u="none" strike="noStrike" kern="1200" cap="none" spc="0" normalizeH="0" baseline="0" noProof="0">
+              <a:ln>
+                <a:noFill/>
+              </a:ln>
+              <a:solidFill>
+                <a:prstClr val="black"/>
+              </a:solidFill>
+              <a:effectLst/>
+              <a:uLnTx/>
+              <a:uFillTx/>
+              <a:latin typeface="Univers"/>
+              <a:ea typeface="+mn-ea"/>
+              <a:cs typeface="+mn-cs"/>
+            </a:endParaRPr>
+          </a:p>
+        </p:txBody>
+      </p:sp>
+      <p:sp>
+        <p:nvSpPr>
+          <p:cNvPr id="19" name="Graphic 22">
+            <a:extLst>
+              <a:ext uri="{FF2B5EF4-FFF2-40B4-BE49-F238E27FC236}">
+                <a16:creationId xmlns:a16="http://schemas.microsoft.com/office/drawing/2014/main" id="{53AA89D1-0C70-46BB-8E35-5722A4B18A78}"/>
+              </a:ext>
+              <a:ext uri="{C183D7F6-B498-43B3-948B-1728B52AA6E4}">
+                <adec:decorative xmlns:adec="http://schemas.microsoft.com/office/drawing/2017/decorative" val="1"/>
+              </a:ext>
+            </a:extLst>
+          </p:cNvPr>
+          <p:cNvSpPr>
+            <a:spLocks noGrp="1" noRot="1" noChangeAspect="1" noMove="1" noResize="1" noEditPoints="1" noAdjustHandles="1" noChangeArrowheads="1" noChangeShapeType="1" noTextEdit="1"/>
+          </p:cNvSpPr>
+          <p:nvPr>
+            <p:extLst>
+              <p:ext uri="{386F3935-93C4-4BCD-93E2-E3B085C9AB24}">
+                <p16:designElem xmlns:p16="http://schemas.microsoft.com/office/powerpoint/2015/main" val="1"/>
+              </p:ext>
+            </p:extLst>
+          </p:nvPr>
+        </p:nvSpPr>
+        <p:spPr>
+          <a:xfrm>
+            <a:off x="11007588" y="2177021"/>
+            <a:ext cx="127714" cy="125516"/>
+          </a:xfrm>
+          <a:custGeom>
+            <a:avLst/>
+            <a:gdLst>
+              <a:gd name="connsiteX0" fmla="*/ 63857 w 127714"/>
+              <a:gd name="connsiteY0" fmla="*/ 18549 h 125516"/>
+              <a:gd name="connsiteX1" fmla="*/ 108840 w 127714"/>
+              <a:gd name="connsiteY1" fmla="*/ 62758 h 125516"/>
+              <a:gd name="connsiteX2" fmla="*/ 63857 w 127714"/>
+              <a:gd name="connsiteY2" fmla="*/ 106967 h 125516"/>
+              <a:gd name="connsiteX3" fmla="*/ 18874 w 127714"/>
+              <a:gd name="connsiteY3" fmla="*/ 62758 h 125516"/>
+              <a:gd name="connsiteX4" fmla="*/ 63857 w 127714"/>
+              <a:gd name="connsiteY4" fmla="*/ 18549 h 125516"/>
+              <a:gd name="connsiteX5" fmla="*/ 63857 w 127714"/>
+              <a:gd name="connsiteY5" fmla="*/ 0 h 125516"/>
+              <a:gd name="connsiteX6" fmla="*/ 0 w 127714"/>
+              <a:gd name="connsiteY6" fmla="*/ 62758 h 125516"/>
+              <a:gd name="connsiteX7" fmla="*/ 63857 w 127714"/>
+              <a:gd name="connsiteY7" fmla="*/ 125516 h 125516"/>
+              <a:gd name="connsiteX8" fmla="*/ 127714 w 127714"/>
+              <a:gd name="connsiteY8" fmla="*/ 62758 h 125516"/>
+              <a:gd name="connsiteX9" fmla="*/ 63857 w 127714"/>
+              <a:gd name="connsiteY9" fmla="*/ 0 h 125516"/>
+            </a:gdLst>
+            <a:ahLst/>
+            <a:cxnLst>
+              <a:cxn ang="0">
+                <a:pos x="connsiteX0" y="connsiteY0"/>
+              </a:cxn>
+              <a:cxn ang="0">
+                <a:pos x="connsiteX1" y="connsiteY1"/>
+              </a:cxn>
+              <a:cxn ang="0">
+                <a:pos x="connsiteX2" y="connsiteY2"/>
+              </a:cxn>
+              <a:cxn ang="0">
+                <a:pos x="connsiteX3" y="connsiteY3"/>
+              </a:cxn>
+              <a:cxn ang="0">
+                <a:pos x="connsiteX4" y="connsiteY4"/>
+              </a:cxn>
+              <a:cxn ang="0">
+                <a:pos x="connsiteX5" y="connsiteY5"/>
+              </a:cxn>
+              <a:cxn ang="0">
+                <a:pos x="connsiteX6" y="connsiteY6"/>
+              </a:cxn>
+              <a:cxn ang="0">
+                <a:pos x="connsiteX7" y="connsiteY7"/>
+              </a:cxn>
+              <a:cxn ang="0">
+                <a:pos x="connsiteX8" y="connsiteY8"/>
+              </a:cxn>
+              <a:cxn ang="0">
+                <a:pos x="connsiteX9" y="connsiteY9"/>
+              </a:cxn>
+            </a:cxnLst>
+            <a:rect l="l" t="t" r="r" b="b"/>
+            <a:pathLst>
+              <a:path w="127714" h="125516">
+                <a:moveTo>
+                  <a:pt x="63857" y="18549"/>
+                </a:moveTo>
+                <a:cubicBezTo>
+                  <a:pt x="88700" y="18549"/>
+                  <a:pt x="108840" y="38342"/>
+                  <a:pt x="108840" y="62758"/>
+                </a:cubicBezTo>
+                <a:cubicBezTo>
+                  <a:pt x="108840" y="87174"/>
+                  <a:pt x="88700" y="106967"/>
+                  <a:pt x="63857" y="106967"/>
+                </a:cubicBezTo>
+                <a:cubicBezTo>
+                  <a:pt x="39014" y="106967"/>
+                  <a:pt x="18874" y="87174"/>
+                  <a:pt x="18874" y="62758"/>
+                </a:cubicBezTo>
+                <a:cubicBezTo>
+                  <a:pt x="18898" y="38352"/>
+                  <a:pt x="39024" y="18573"/>
+                  <a:pt x="63857" y="18549"/>
+                </a:cubicBezTo>
+                <a:moveTo>
+                  <a:pt x="63857" y="0"/>
+                </a:moveTo>
+                <a:cubicBezTo>
+                  <a:pt x="28590" y="0"/>
+                  <a:pt x="0" y="28098"/>
+                  <a:pt x="0" y="62758"/>
+                </a:cubicBezTo>
+                <a:cubicBezTo>
+                  <a:pt x="0" y="97418"/>
+                  <a:pt x="28590" y="125516"/>
+                  <a:pt x="63857" y="125516"/>
+                </a:cubicBezTo>
+                <a:cubicBezTo>
+                  <a:pt x="99124" y="125516"/>
+                  <a:pt x="127714" y="97418"/>
+                  <a:pt x="127714" y="62758"/>
+                </a:cubicBezTo>
+                <a:cubicBezTo>
+                  <a:pt x="127714" y="28098"/>
+                  <a:pt x="99124" y="0"/>
+                  <a:pt x="63857" y="0"/>
+                </a:cubicBezTo>
+                <a:close/>
+              </a:path>
+            </a:pathLst>
+          </a:custGeom>
+          <a:solidFill>
+            <a:srgbClr val="FFFFFF"/>
+          </a:solidFill>
+          <a:ln w="610" cap="flat">
+            <a:noFill/>
+            <a:prstDash val="solid"/>
+            <a:miter/>
+          </a:ln>
+        </p:spPr>
+        <p:txBody>
+          <a:bodyPr rtlCol="0" anchor="ctr"/>
+          <a:lstStyle/>
+          <a:p>
+            <a:pPr marL="0" marR="0" lvl="0" indent="0" algn="l" defTabSz="914400" rtl="0" eaLnBrk="1" fontAlgn="auto" latinLnBrk="0" hangingPunct="1">
+              <a:lnSpc>
+                <a:spcPct val="100000"/>
+              </a:lnSpc>
+              <a:spcBef>
+                <a:spcPts val="0"/>
+              </a:spcBef>
+              <a:spcAft>
+                <a:spcPts val="0"/>
+              </a:spcAft>
+              <a:buClrTx/>
+              <a:buSzTx/>
+              <a:buFontTx/>
+              <a:buNone/>
+              <a:tabLst/>
+              <a:defRPr/>
+            </a:pPr>
+            <a:endParaRPr kumimoji="0" lang="en-US" sz="1800" b="0" i="0" u="none" strike="noStrike" kern="1200" cap="none" spc="0" normalizeH="0" baseline="0" noProof="0">
+              <a:ln>
+                <a:noFill/>
+              </a:ln>
+              <a:solidFill>
+                <a:prstClr val="black"/>
+              </a:solidFill>
+              <a:effectLst/>
+              <a:uLnTx/>
+              <a:uFillTx/>
+              <a:latin typeface="Univers"/>
+              <a:ea typeface="+mn-ea"/>
+              <a:cs typeface="+mn-cs"/>
+            </a:endParaRPr>
+          </a:p>
+        </p:txBody>
+      </p:sp>
+    </p:spTree>
+    <p:extLst>
+      <p:ext uri="{BB962C8B-B14F-4D97-AF65-F5344CB8AC3E}">
+        <p14:creationId xmlns:p14="http://schemas.microsoft.com/office/powerpoint/2010/main" val="1482324144"/>
+      </p:ext>
+    </p:extLst>
+  </p:cSld>
+  <p:clrMapOvr>
+    <a:masterClrMapping/>
+  </p:clrMapOvr>
+</p:sld>
+</file>
+
+<file path=ppt/slides/slide13.xml><?xml version="1.0" encoding="utf-8"?>
+<p:sld xmlns:a="http://schemas.openxmlformats.org/drawingml/2006/main" xmlns:r="http://schemas.openxmlformats.org/officeDocument/2006/relationships" xmlns:p="http://schemas.openxmlformats.org/presentationml/2006/main">
+  <p:cSld>
+    <p:bg>
+      <p:bgPr>
+        <a:solidFill>
+          <a:schemeClr val="bg1"/>
+        </a:solidFill>
+        <a:effectLst/>
+      </p:bgPr>
+    </p:bg>
+    <p:spTree>
+      <p:nvGrpSpPr>
+        <p:cNvPr id="1" name=""/>
+        <p:cNvGrpSpPr/>
+        <p:nvPr/>
+      </p:nvGrpSpPr>
+      <p:grpSpPr>
+        <a:xfrm>
+          <a:off x="0" y="0"/>
+          <a:ext cx="0" cy="0"/>
+          <a:chOff x="0" y="0"/>
+          <a:chExt cx="0" cy="0"/>
+        </a:xfrm>
+      </p:grpSpPr>
+      <p:cxnSp>
+        <p:nvCxnSpPr>
+          <p:cNvPr id="41" name="Straight Connector 28">
+            <a:extLst>
+              <a:ext uri="{FF2B5EF4-FFF2-40B4-BE49-F238E27FC236}">
+                <a16:creationId xmlns:a16="http://schemas.microsoft.com/office/drawing/2014/main" id="{5C05CAAB-DBA2-4548-AD5F-01BB97FBB207}"/>
+              </a:ext>
+              <a:ext uri="{C183D7F6-B498-43B3-948B-1728B52AA6E4}">
+                <adec:decorative xmlns:adec="http://schemas.microsoft.com/office/drawing/2017/decorative" val="1"/>
+              </a:ext>
+            </a:extLst>
+          </p:cNvPr>
+          <p:cNvCxnSpPr>
+            <a:cxnSpLocks noGrp="1" noRot="1" noChangeAspect="1" noMove="1" noResize="1" noEditPoints="1" noAdjustHandles="1" noChangeArrowheads="1" noChangeShapeType="1"/>
+          </p:cNvCxnSpPr>
+          <p:nvPr>
+            <p:extLst>
+              <p:ext uri="{386F3935-93C4-4BCD-93E2-E3B085C9AB24}">
+                <p16:designElem xmlns:p16="http://schemas.microsoft.com/office/powerpoint/2015/main" val="1"/>
+              </p:ext>
+            </p:extLst>
+          </p:nvPr>
+        </p:nvCxnSpPr>
+        <p:spPr>
+          <a:xfrm>
+            <a:off x="715890" y="356812"/>
+            <a:ext cx="0" cy="6492875"/>
+          </a:xfrm>
+          <a:prstGeom prst="line">
+            <a:avLst/>
+          </a:prstGeom>
+          <a:ln w="25400" cap="sq">
+            <a:gradFill flip="none" rotWithShape="1">
+              <a:gsLst>
+                <a:gs pos="0">
+                  <a:schemeClr val="accent2"/>
+                </a:gs>
+                <a:gs pos="100000">
+                  <a:schemeClr val="accent4"/>
+                </a:gs>
+              </a:gsLst>
+              <a:lin ang="16200000" scaled="1"/>
+              <a:tileRect/>
+            </a:gradFill>
+            <a:bevel/>
+          </a:ln>
+        </p:spPr>
+        <p:style>
+          <a:lnRef idx="1">
+            <a:schemeClr val="accent1"/>
+          </a:lnRef>
+          <a:fillRef idx="0">
+            <a:schemeClr val="accent1"/>
+          </a:fillRef>
+          <a:effectRef idx="0">
+            <a:schemeClr val="accent1"/>
+          </a:effectRef>
+          <a:fontRef idx="minor">
+            <a:schemeClr val="tx1"/>
+          </a:fontRef>
+        </p:style>
+      </p:cxnSp>
+      <p:sp useBgFill="1">
+        <p:nvSpPr>
+          <p:cNvPr id="42" name="Rectangle 30">
+            <a:extLst>
+              <a:ext uri="{FF2B5EF4-FFF2-40B4-BE49-F238E27FC236}">
+                <a16:creationId xmlns:a16="http://schemas.microsoft.com/office/drawing/2014/main" id="{A2679492-7988-4050-9056-542444452411}"/>
+              </a:ext>
+              <a:ext uri="{C183D7F6-B498-43B3-948B-1728B52AA6E4}">
+                <adec:decorative xmlns:adec="http://schemas.microsoft.com/office/drawing/2017/decorative" val="1"/>
+              </a:ext>
+            </a:extLst>
+          </p:cNvPr>
+          <p:cNvSpPr>
+            <a:spLocks noGrp="1" noRot="1" noChangeAspect="1" noMove="1" noResize="1" noEditPoints="1" noAdjustHandles="1" noChangeArrowheads="1" noChangeShapeType="1" noTextEdit="1"/>
+          </p:cNvSpPr>
+          <p:nvPr>
+            <p:extLst>
+              <p:ext uri="{386F3935-93C4-4BCD-93E2-E3B085C9AB24}">
+                <p16:designElem xmlns:p16="http://schemas.microsoft.com/office/powerpoint/2015/main" val="1"/>
+              </p:ext>
+            </p:extLst>
+          </p:nvPr>
+        </p:nvSpPr>
+        <p:spPr>
+          <a:xfrm>
+            <a:off x="0" y="0"/>
+            <a:ext cx="12192000" cy="6858000"/>
+          </a:xfrm>
+          <a:prstGeom prst="rect">
+            <a:avLst/>
+          </a:prstGeom>
+          <a:ln>
+            <a:noFill/>
+          </a:ln>
+        </p:spPr>
+        <p:style>
+          <a:lnRef idx="2">
+            <a:schemeClr val="accent1">
+              <a:shade val="50000"/>
+            </a:schemeClr>
+          </a:lnRef>
+          <a:fillRef idx="1">
+            <a:schemeClr val="accent1"/>
+          </a:fillRef>
+          <a:effectRef idx="0">
+            <a:schemeClr val="accent1"/>
+          </a:effectRef>
+          <a:fontRef idx="minor">
+            <a:schemeClr val="lt1"/>
+          </a:fontRef>
+        </p:style>
+        <p:txBody>
+          <a:bodyPr rtlCol="0" anchor="ctr"/>
+          <a:lstStyle/>
+          <a:p>
+            <a:pPr algn="ctr"/>
+            <a:endParaRPr lang="en-US"/>
+          </a:p>
+        </p:txBody>
+      </p:sp>
       <p:sp>
         <p:nvSpPr>
           <p:cNvPr id="6" name="Title 5">
@@ -24497,13 +24881,28 @@
             <p:ph type="title"/>
           </p:nvPr>
         </p:nvSpPr>
-        <p:spPr/>
+        <p:spPr>
+          <a:xfrm>
+            <a:off x="6392582" y="501651"/>
+            <a:ext cx="4434721" cy="1716255"/>
+          </a:xfrm>
+        </p:spPr>
         <p:txBody>
-          <a:bodyPr/>
+          <a:bodyPr vert="horz" lIns="91440" tIns="45720" rIns="91440" bIns="45720" rtlCol="0" anchor="b">
+            <a:normAutofit/>
+          </a:bodyPr>
           <a:lstStyle/>
           <a:p>
+            <a:pPr algn="l"/>
             <a:r>
-              <a:rPr lang="en-US" dirty="0"/>
+              <a:rPr lang="en-US" sz="5400" kern="1200">
+                <a:solidFill>
+                  <a:schemeClr val="tx1"/>
+                </a:solidFill>
+                <a:latin typeface="+mj-lt"/>
+                <a:ea typeface="+mj-ea"/>
+                <a:cs typeface="+mj-cs"/>
+              </a:rPr>
               <a:t>Thank you</a:t>
             </a:r>
           </a:p>
@@ -24511,41 +24910,73 @@
       </p:sp>
       <p:sp>
         <p:nvSpPr>
-          <p:cNvPr id="7" name="Text Placeholder 6">
+          <p:cNvPr id="43" name="Rectangle 32">
             <a:extLst>
               <a:ext uri="{FF2B5EF4-FFF2-40B4-BE49-F238E27FC236}">
-                <a16:creationId xmlns:a16="http://schemas.microsoft.com/office/drawing/2014/main" id="{42AF1107-8D35-4E35-93C7-D3640946F742}"/>
+                <a16:creationId xmlns:a16="http://schemas.microsoft.com/office/drawing/2014/main" id="{B091B163-7D61-4891-ABCF-5C13D9C418D0}"/>
+              </a:ext>
+              <a:ext uri="{C183D7F6-B498-43B3-948B-1728B52AA6E4}">
+                <adec:decorative xmlns:adec="http://schemas.microsoft.com/office/drawing/2017/decorative" val="1"/>
               </a:ext>
             </a:extLst>
           </p:cNvPr>
           <p:cNvSpPr>
-            <a:spLocks noGrp="1"/>
+            <a:spLocks noGrp="1" noRot="1" noChangeAspect="1" noMove="1" noResize="1" noEditPoints="1" noAdjustHandles="1" noChangeArrowheads="1" noChangeShapeType="1" noTextEdit="1"/>
           </p:cNvSpPr>
           <p:nvPr>
-            <p:ph type="body" sz="quarter" idx="13"/>
+            <p:extLst>
+              <p:ext uri="{386F3935-93C4-4BCD-93E2-E3B085C9AB24}">
+                <p16:designElem xmlns:p16="http://schemas.microsoft.com/office/powerpoint/2015/main" val="1"/>
+              </p:ext>
+            </p:extLst>
           </p:nvPr>
         </p:nvSpPr>
-        <p:spPr/>
+        <p:spPr>
+          <a:xfrm>
+            <a:off x="0" y="0"/>
+            <a:ext cx="5779911" cy="6858000"/>
+          </a:xfrm>
+          <a:prstGeom prst="rect">
+            <a:avLst/>
+          </a:prstGeom>
+          <a:gradFill flip="none" rotWithShape="1">
+            <a:gsLst>
+              <a:gs pos="100000">
+                <a:schemeClr val="accent4"/>
+              </a:gs>
+              <a:gs pos="0">
+                <a:schemeClr val="accent2"/>
+              </a:gs>
+            </a:gsLst>
+            <a:lin ang="2700000" scaled="1"/>
+            <a:tileRect/>
+          </a:gradFill>
+          <a:ln>
+            <a:noFill/>
+          </a:ln>
+        </p:spPr>
+        <p:style>
+          <a:lnRef idx="2">
+            <a:schemeClr val="accent1">
+              <a:shade val="50000"/>
+            </a:schemeClr>
+          </a:lnRef>
+          <a:fillRef idx="1">
+            <a:schemeClr val="accent1"/>
+          </a:fillRef>
+          <a:effectRef idx="0">
+            <a:schemeClr val="accent1"/>
+          </a:effectRef>
+          <a:fontRef idx="minor">
+            <a:schemeClr val="lt1"/>
+          </a:fontRef>
+        </p:style>
         <p:txBody>
-          <a:bodyPr/>
+          <a:bodyPr rtlCol="0" anchor="ctr"/>
           <a:lstStyle/>
           <a:p>
-            <a:r>
-              <a:rPr lang="en-US" dirty="0"/>
-              <a:t>Lokesh Agnihotri</a:t>
-            </a:r>
-          </a:p>
-          <a:p>
-            <a:r>
-              <a:rPr lang="en-US" dirty="0"/>
-              <a:t>Lokesh.Agnihotri@outlook.com</a:t>
-            </a:r>
-          </a:p>
-          <a:p>
-            <a:r>
-              <a:rPr lang="en-US" dirty="0"/>
-              <a:t>https://pronunciationtrainer.azurewebsites.net/</a:t>
-            </a:r>
+            <a:pPr algn="ctr"/>
+            <a:endParaRPr lang="en-US"/>
           </a:p>
         </p:txBody>
       </p:sp>
@@ -24566,11 +24997,81 @@
           </p:nvPr>
         </p:nvPicPr>
         <p:blipFill rotWithShape="1">
-          <a:blip r:embed="rId4"/>
-          <a:srcRect l="16" r="16"/>
+          <a:blip r:embed="rId2"/>
+          <a:srcRect l="12414" r="22456" b="1"/>
           <a:stretch/>
         </p:blipFill>
-        <p:spPr/>
+        <p:spPr>
+          <a:xfrm>
+            <a:off x="279143" y="299508"/>
+            <a:ext cx="2456683" cy="2772397"/>
+          </a:xfrm>
+          <a:prstGeom prst="rect">
+            <a:avLst/>
+          </a:prstGeom>
+        </p:spPr>
+      </p:pic>
+      <p:pic>
+        <p:nvPicPr>
+          <p:cNvPr id="11" name="Picture Placeholder 10" descr="mountains at sunset">
+            <a:extLst>
+              <a:ext uri="{FF2B5EF4-FFF2-40B4-BE49-F238E27FC236}">
+                <a16:creationId xmlns:a16="http://schemas.microsoft.com/office/drawing/2014/main" id="{E63B7C3F-04A4-43F6-881D-FA11061CBAFA}"/>
+              </a:ext>
+            </a:extLst>
+          </p:cNvPr>
+          <p:cNvPicPr>
+            <a:picLocks noGrp="1" noChangeAspect="1"/>
+          </p:cNvPicPr>
+          <p:nvPr>
+            <p:ph type="pic" sz="quarter" idx="15"/>
+          </p:nvPr>
+        </p:nvPicPr>
+        <p:blipFill rotWithShape="1">
+          <a:blip r:embed="rId3"/>
+          <a:srcRect l="8251" r="3136" b="-1"/>
+          <a:stretch/>
+        </p:blipFill>
+        <p:spPr>
+          <a:xfrm>
+            <a:off x="3044085" y="299508"/>
+            <a:ext cx="2456683" cy="2772397"/>
+          </a:xfrm>
+          <a:prstGeom prst="rect">
+            <a:avLst/>
+          </a:prstGeom>
+        </p:spPr>
+      </p:pic>
+      <p:pic>
+        <p:nvPicPr>
+          <p:cNvPr id="9" name="Picture Placeholder 8" descr="mountains at sunset">
+            <a:extLst>
+              <a:ext uri="{FF2B5EF4-FFF2-40B4-BE49-F238E27FC236}">
+                <a16:creationId xmlns:a16="http://schemas.microsoft.com/office/drawing/2014/main" id="{C82DA925-978C-48A9-98AD-0653B7A3D2D9}"/>
+              </a:ext>
+            </a:extLst>
+          </p:cNvPr>
+          <p:cNvPicPr>
+            <a:picLocks noGrp="1" noChangeAspect="1"/>
+          </p:cNvPicPr>
+          <p:nvPr>
+            <p:ph type="pic" sz="quarter" idx="14"/>
+          </p:nvPr>
+        </p:nvPicPr>
+        <p:blipFill rotWithShape="1">
+          <a:blip r:embed="rId4"/>
+          <a:srcRect l="11059" r="11861" b="4"/>
+          <a:stretch/>
+        </p:blipFill>
+        <p:spPr>
+          <a:xfrm>
+            <a:off x="279143" y="3371412"/>
+            <a:ext cx="2456683" cy="3187078"/>
+          </a:xfrm>
+          <a:prstGeom prst="rect">
+            <a:avLst/>
+          </a:prstGeom>
+        </p:spPr>
       </p:pic>
       <p:pic>
         <p:nvPicPr>
@@ -24590,11 +25091,206 @@
         </p:nvPicPr>
         <p:blipFill rotWithShape="1">
           <a:blip r:embed="rId5"/>
-          <a:srcRect t="108" b="108"/>
+          <a:srcRect r="39107" b="3"/>
           <a:stretch/>
         </p:blipFill>
-        <p:spPr/>
+        <p:spPr>
+          <a:xfrm>
+            <a:off x="3044085" y="3371416"/>
+            <a:ext cx="2456683" cy="3187077"/>
+          </a:xfrm>
+          <a:prstGeom prst="rect">
+            <a:avLst/>
+          </a:prstGeom>
+        </p:spPr>
       </p:pic>
+      <p:sp>
+        <p:nvSpPr>
+          <p:cNvPr id="7" name="Text Placeholder 6">
+            <a:extLst>
+              <a:ext uri="{FF2B5EF4-FFF2-40B4-BE49-F238E27FC236}">
+                <a16:creationId xmlns:a16="http://schemas.microsoft.com/office/drawing/2014/main" id="{42AF1107-8D35-4E35-93C7-D3640946F742}"/>
+              </a:ext>
+            </a:extLst>
+          </p:cNvPr>
+          <p:cNvSpPr>
+            <a:spLocks noGrp="1"/>
+          </p:cNvSpPr>
+          <p:nvPr>
+            <p:ph type="body" sz="quarter" idx="13"/>
+          </p:nvPr>
+        </p:nvSpPr>
+        <p:spPr>
+          <a:xfrm>
+            <a:off x="6392583" y="2645922"/>
+            <a:ext cx="4434721" cy="3710427"/>
+          </a:xfrm>
+        </p:spPr>
+        <p:txBody>
+          <a:bodyPr vert="horz" lIns="91440" tIns="45720" rIns="91440" bIns="45720" rtlCol="0" anchor="t">
+            <a:normAutofit/>
+          </a:bodyPr>
+          <a:lstStyle/>
+          <a:p>
+            <a:pPr indent="-228600" algn="l">
+              <a:buFont typeface="Arial" panose="020B0604020202020204" pitchFamily="34" charset="0"/>
+              <a:buChar char="•"/>
+            </a:pPr>
+            <a:r>
+              <a:rPr lang="en-US">
+                <a:solidFill>
+                  <a:schemeClr val="tx1"/>
+                </a:solidFill>
+              </a:rPr>
+              <a:t>Lokesh Agnihotri</a:t>
+            </a:r>
+          </a:p>
+          <a:p>
+            <a:pPr indent="-228600" algn="l">
+              <a:buFont typeface="Arial" panose="020B0604020202020204" pitchFamily="34" charset="0"/>
+              <a:buChar char="•"/>
+            </a:pPr>
+            <a:r>
+              <a:rPr lang="en-US">
+                <a:solidFill>
+                  <a:schemeClr val="tx1"/>
+                </a:solidFill>
+              </a:rPr>
+              <a:t>Lokesh.Agnihotri@outlook.com</a:t>
+            </a:r>
+          </a:p>
+          <a:p>
+            <a:pPr indent="-228600" algn="l">
+              <a:buFont typeface="Arial" panose="020B0604020202020204" pitchFamily="34" charset="0"/>
+              <a:buChar char="•"/>
+            </a:pPr>
+            <a:r>
+              <a:rPr lang="en-US">
+                <a:solidFill>
+                  <a:schemeClr val="tx1"/>
+                </a:solidFill>
+              </a:rPr>
+              <a:t>https://pronunciationtrainer.azurewebsites.net/</a:t>
+            </a:r>
+          </a:p>
+        </p:txBody>
+      </p:sp>
+      <p:sp>
+        <p:nvSpPr>
+          <p:cNvPr id="24" name="Slide Number Placeholder 23">
+            <a:extLst>
+              <a:ext uri="{FF2B5EF4-FFF2-40B4-BE49-F238E27FC236}">
+                <a16:creationId xmlns:a16="http://schemas.microsoft.com/office/drawing/2014/main" id="{5D838446-B95D-4AB7-B8CA-D5804BB79A11}"/>
+              </a:ext>
+            </a:extLst>
+          </p:cNvPr>
+          <p:cNvSpPr>
+            <a:spLocks noGrp="1"/>
+          </p:cNvSpPr>
+          <p:nvPr>
+            <p:ph type="sldNum" sz="quarter" idx="12"/>
+          </p:nvPr>
+        </p:nvSpPr>
+        <p:spPr>
+          <a:xfrm>
+            <a:off x="8610600" y="6356350"/>
+            <a:ext cx="2743200" cy="365125"/>
+          </a:xfrm>
+        </p:spPr>
+        <p:txBody>
+          <a:bodyPr vert="horz" lIns="91440" tIns="45720" rIns="91440" bIns="45720" rtlCol="0" anchor="ctr">
+            <a:normAutofit/>
+          </a:bodyPr>
+          <a:lstStyle/>
+          <a:p>
+            <a:pPr>
+              <a:spcAft>
+                <a:spcPts val="600"/>
+              </a:spcAft>
+            </a:pPr>
+            <a:fld id="{D8DA9DAA-006C-4F4B-980E-E3DF019B24E2}" type="slidenum">
+              <a:rPr lang="en-US">
+                <a:solidFill>
+                  <a:schemeClr val="accent2"/>
+                </a:solidFill>
+              </a:rPr>
+              <a:pPr>
+                <a:spcAft>
+                  <a:spcPts val="600"/>
+                </a:spcAft>
+              </a:pPr>
+              <a:t>13</a:t>
+            </a:fld>
+            <a:endParaRPr lang="en-US">
+              <a:solidFill>
+                <a:schemeClr val="accent2"/>
+              </a:solidFill>
+            </a:endParaRPr>
+          </a:p>
+        </p:txBody>
+      </p:sp>
+      <p:cxnSp>
+        <p:nvCxnSpPr>
+          <p:cNvPr id="44" name="Straight Connector 34">
+            <a:extLst>
+              <a:ext uri="{FF2B5EF4-FFF2-40B4-BE49-F238E27FC236}">
+                <a16:creationId xmlns:a16="http://schemas.microsoft.com/office/drawing/2014/main" id="{C49DA8F6-BCC1-4447-B54C-57856834B94B}"/>
+              </a:ext>
+              <a:ext uri="{C183D7F6-B498-43B3-948B-1728B52AA6E4}">
+                <adec:decorative xmlns:adec="http://schemas.microsoft.com/office/drawing/2017/decorative" val="1"/>
+              </a:ext>
+            </a:extLst>
+          </p:cNvPr>
+          <p:cNvCxnSpPr>
+            <a:cxnSpLocks noGrp="1" noRot="1" noChangeAspect="1" noMove="1" noResize="1" noEditPoints="1" noAdjustHandles="1" noChangeArrowheads="1" noChangeShapeType="1"/>
+          </p:cNvCxnSpPr>
+          <p:nvPr>
+            <p:extLst>
+              <p:ext uri="{386F3935-93C4-4BCD-93E2-E3B085C9AB24}">
+                <p16:designElem xmlns:p16="http://schemas.microsoft.com/office/powerpoint/2015/main" val="1"/>
+              </p:ext>
+            </p:extLst>
+          </p:nvPr>
+        </p:nvCxnSpPr>
+        <p:spPr>
+          <a:xfrm>
+            <a:off x="11586162" y="3610394"/>
+            <a:ext cx="0" cy="3238728"/>
+          </a:xfrm>
+          <a:prstGeom prst="line">
+            <a:avLst/>
+          </a:prstGeom>
+          <a:ln w="25400" cap="sq">
+            <a:gradFill flip="none" rotWithShape="1">
+              <a:gsLst>
+                <a:gs pos="0">
+                  <a:schemeClr val="accent2"/>
+                </a:gs>
+                <a:gs pos="100000">
+                  <a:schemeClr val="accent4"/>
+                </a:gs>
+              </a:gsLst>
+              <a:lin ang="16200000" scaled="1"/>
+              <a:tileRect/>
+            </a:gradFill>
+            <a:bevel/>
+          </a:ln>
+        </p:spPr>
+        <p:style>
+          <a:lnRef idx="1">
+            <a:schemeClr val="accent1"/>
+          </a:lnRef>
+          <a:fillRef idx="0">
+            <a:schemeClr val="accent1"/>
+          </a:fillRef>
+          <a:effectRef idx="0">
+            <a:schemeClr val="accent1"/>
+          </a:effectRef>
+          <a:fontRef idx="minor">
+            <a:schemeClr val="tx1"/>
+          </a:fontRef>
+        </p:style>
+      </p:cxnSp>
     </p:spTree>
     <p:extLst>
       <p:ext uri="{BB962C8B-B14F-4D97-AF65-F5344CB8AC3E}">
@@ -25612,7 +26308,7 @@
               <a:buChar char="•"/>
             </a:pPr>
             <a:r>
-              <a:rPr lang="en-US">
+              <a:rPr lang="en-US" dirty="0">
                 <a:solidFill>
                   <a:srgbClr val="FFFFFF"/>
                 </a:solidFill>
@@ -25626,7 +26322,7 @@
               <a:buChar char="•"/>
             </a:pPr>
             <a:r>
-              <a:rPr lang="en-US">
+              <a:rPr lang="en-US" dirty="0">
                 <a:solidFill>
                   <a:srgbClr val="FFFFFF"/>
                 </a:solidFill>
@@ -25640,7 +26336,7 @@
               <a:buChar char="•"/>
             </a:pPr>
             <a:r>
-              <a:rPr lang="en-US">
+              <a:rPr lang="en-US" dirty="0">
                 <a:solidFill>
                   <a:srgbClr val="FFFFFF"/>
                 </a:solidFill>
@@ -25654,7 +26350,7 @@
               <a:buChar char="•"/>
             </a:pPr>
             <a:r>
-              <a:rPr lang="en-US">
+              <a:rPr lang="en-US" dirty="0">
                 <a:solidFill>
                   <a:srgbClr val="FFFFFF"/>
                 </a:solidFill>
@@ -30071,24 +30767,6 @@
 </file>
 
 <file path=customXml/item1.xml><?xml version="1.0" encoding="utf-8"?>
-<p:properties xmlns:p="http://schemas.microsoft.com/office/2006/metadata/properties" xmlns:xsi="http://www.w3.org/2001/XMLSchema-instance" xmlns:pc="http://schemas.microsoft.com/office/infopath/2007/PartnerControls">
-  <documentManagement>
-    <Status xmlns="71af3243-3dd4-4a8d-8c0d-dd76da1f02a5">Not started</Status>
-    <MediaServiceKeyPoints xmlns="71af3243-3dd4-4a8d-8c0d-dd76da1f02a5" xsi:nil="true"/>
-  </documentManagement>
-</p:properties>
-</file>
-
-<file path=customXml/item2.xml><?xml version="1.0" encoding="utf-8"?>
-<?mso-contentType ?>
-<FormTemplates xmlns="http://schemas.microsoft.com/sharepoint/v3/contenttype/forms">
-  <Display>DocumentLibraryForm</Display>
-  <Edit>DocumentLibraryForm</Edit>
-  <New>DocumentLibraryForm</New>
-</FormTemplates>
-</file>
-
-<file path=customXml/item3.xml><?xml version="1.0" encoding="utf-8"?>
 <ct:contentTypeSchema xmlns:ct="http://schemas.microsoft.com/office/2006/metadata/contentType" xmlns:ma="http://schemas.microsoft.com/office/2006/metadata/properties/metaAttributes" ct:_="" ma:_="" ma:contentTypeName="Document" ma:contentTypeID="0x01010079F111ED35F8CC479449609E8A0923A6" ma:contentTypeVersion="12" ma:contentTypeDescription="Create a new document." ma:contentTypeScope="" ma:versionID="426e97fa315356fffbdcd9876fe988c2">
   <xsd:schema xmlns:xsd="http://www.w3.org/2001/XMLSchema" xmlns:xs="http://www.w3.org/2001/XMLSchema" xmlns:p="http://schemas.microsoft.com/office/2006/metadata/properties" xmlns:ns2="71af3243-3dd4-4a8d-8c0d-dd76da1f02a5" xmlns:ns3="16c05727-aa75-4e4a-9b5f-8a80a1165891" targetNamespace="http://schemas.microsoft.com/office/2006/metadata/properties" ma:root="true" ma:fieldsID="14b8f0def80e6d70ce3def20c90759ae" ns2:_="" ns3:_="">
     <xsd:import namespace="71af3243-3dd4-4a8d-8c0d-dd76da1f02a5"/>
@@ -30309,25 +30987,25 @@
 </ct:contentTypeSchema>
 </file>
 
-<file path=customXml/itemProps1.xml><?xml version="1.0" encoding="utf-8"?>
-<ds:datastoreItem xmlns:ds="http://schemas.openxmlformats.org/officeDocument/2006/customXml" ds:itemID="{99919F73-B6C2-4A43-95E2-833EC48925FE}">
-  <ds:schemaRefs>
-    <ds:schemaRef ds:uri="http://schemas.microsoft.com/office/2006/metadata/properties"/>
-    <ds:schemaRef ds:uri="http://schemas.microsoft.com/office/infopath/2007/PartnerControls"/>
-    <ds:schemaRef ds:uri="71af3243-3dd4-4a8d-8c0d-dd76da1f02a5"/>
-  </ds:schemaRefs>
-</ds:datastoreItem>
+<file path=customXml/item2.xml><?xml version="1.0" encoding="utf-8"?>
+<?mso-contentType ?>
+<FormTemplates xmlns="http://schemas.microsoft.com/sharepoint/v3/contenttype/forms">
+  <Display>DocumentLibraryForm</Display>
+  <Edit>DocumentLibraryForm</Edit>
+  <New>DocumentLibraryForm</New>
+</FormTemplates>
 </file>
 
-<file path=customXml/itemProps2.xml><?xml version="1.0" encoding="utf-8"?>
-<ds:datastoreItem xmlns:ds="http://schemas.openxmlformats.org/officeDocument/2006/customXml" ds:itemID="{3C8E00D1-8EA3-4E42-801D-0253E1EAFC21}">
-  <ds:schemaRefs>
-    <ds:schemaRef ds:uri="http://schemas.microsoft.com/sharepoint/v3/contenttype/forms"/>
-  </ds:schemaRefs>
-</ds:datastoreItem>
+<file path=customXml/item3.xml><?xml version="1.0" encoding="utf-8"?>
+<p:properties xmlns:p="http://schemas.microsoft.com/office/2006/metadata/properties" xmlns:xsi="http://www.w3.org/2001/XMLSchema-instance" xmlns:pc="http://schemas.microsoft.com/office/infopath/2007/PartnerControls">
+  <documentManagement>
+    <Status xmlns="71af3243-3dd4-4a8d-8c0d-dd76da1f02a5">Not started</Status>
+    <MediaServiceKeyPoints xmlns="71af3243-3dd4-4a8d-8c0d-dd76da1f02a5" xsi:nil="true"/>
+  </documentManagement>
+</p:properties>
 </file>
 
-<file path=customXml/itemProps3.xml><?xml version="1.0" encoding="utf-8"?>
+<file path=customXml/itemProps1.xml><?xml version="1.0" encoding="utf-8"?>
 <ds:datastoreItem xmlns:ds="http://schemas.openxmlformats.org/officeDocument/2006/customXml" ds:itemID="{ABC329F5-30EE-4BF7-AA2A-B837B51416B4}">
   <ds:schemaRefs>
     <ds:schemaRef ds:uri="http://schemas.microsoft.com/office/2006/metadata/contentType"/>
@@ -30344,4 +31022,22 @@
     <ds:schemaRef ds:uri="http://schemas.microsoft.com/internal/obd"/>
   </ds:schemaRefs>
 </ds:datastoreItem>
+</file>
+
+<file path=customXml/itemProps2.xml><?xml version="1.0" encoding="utf-8"?>
+<ds:datastoreItem xmlns:ds="http://schemas.openxmlformats.org/officeDocument/2006/customXml" ds:itemID="{3C8E00D1-8EA3-4E42-801D-0253E1EAFC21}">
+  <ds:schemaRefs>
+    <ds:schemaRef ds:uri="http://schemas.microsoft.com/sharepoint/v3/contenttype/forms"/>
+  </ds:schemaRefs>
+</ds:datastoreItem>
+</file>
+
+<file path=customXml/itemProps3.xml><?xml version="1.0" encoding="utf-8"?>
+<ds:datastoreItem xmlns:ds="http://schemas.openxmlformats.org/officeDocument/2006/customXml" ds:itemID="{99919F73-B6C2-4A43-95E2-833EC48925FE}">
+  <ds:schemaRefs>
+    <ds:schemaRef ds:uri="http://schemas.microsoft.com/office/2006/metadata/properties"/>
+    <ds:schemaRef ds:uri="http://schemas.microsoft.com/office/infopath/2007/PartnerControls"/>
+    <ds:schemaRef ds:uri="71af3243-3dd4-4a8d-8c0d-dd76da1f02a5"/>
+  </ds:schemaRefs>
+</ds:datastoreItem>
 </file>